--- a/14_extratask/01_Attendance/レッスン14_課題①.pptx
+++ b/14_extratask/01_Attendance/レッスン14_課題①.pptx
@@ -7,7 +7,6 @@
   <p:sldIdLst>
     <p:sldId id="257" r:id="rId2"/>
     <p:sldId id="261" r:id="rId3"/>
-    <p:sldId id="262" r:id="rId4"/>
   </p:sldIdLst>
   <p:sldSz cx="12192000" cy="6858000"/>
   <p:notesSz cx="6858000" cy="9144000"/>
@@ -106,6 +105,11 @@
       </a:defRPr>
     </a:lvl9pPr>
   </p:defaultTextStyle>
+  <p:extLst>
+    <p:ext uri="{EFAFB233-063F-42B5-8137-9DF3F51BA10A}">
+      <p15:sldGuideLst xmlns:p15="http://schemas.microsoft.com/office/powerpoint/2012/main"/>
+    </p:ext>
+  </p:extLst>
 </p:presentation>
 </file>
 
@@ -256,7 +260,7 @@
           <a:p>
             <a:fld id="{252E7D99-42D8-45B1-82CF-6E50710AA797}" type="datetimeFigureOut">
               <a:rPr kumimoji="1" lang="ja-JP" altLang="en-US" smtClean="0"/>
-              <a:t>2025/6/20</a:t>
+              <a:t>2025/6/23</a:t>
             </a:fld>
             <a:endParaRPr kumimoji="1" lang="ja-JP" altLang="en-US"/>
           </a:p>
@@ -486,7 +490,7 @@
           <a:p>
             <a:fld id="{252E7D99-42D8-45B1-82CF-6E50710AA797}" type="datetimeFigureOut">
               <a:rPr kumimoji="1" lang="ja-JP" altLang="en-US" smtClean="0"/>
-              <a:t>2025/6/20</a:t>
+              <a:t>2025/6/23</a:t>
             </a:fld>
             <a:endParaRPr kumimoji="1" lang="ja-JP" altLang="en-US"/>
           </a:p>
@@ -726,7 +730,7 @@
           <a:p>
             <a:fld id="{252E7D99-42D8-45B1-82CF-6E50710AA797}" type="datetimeFigureOut">
               <a:rPr kumimoji="1" lang="ja-JP" altLang="en-US" smtClean="0"/>
-              <a:t>2025/6/20</a:t>
+              <a:t>2025/6/23</a:t>
             </a:fld>
             <a:endParaRPr kumimoji="1" lang="ja-JP" altLang="en-US"/>
           </a:p>
@@ -956,7 +960,7 @@
           <a:p>
             <a:fld id="{252E7D99-42D8-45B1-82CF-6E50710AA797}" type="datetimeFigureOut">
               <a:rPr kumimoji="1" lang="ja-JP" altLang="en-US" smtClean="0"/>
-              <a:t>2025/6/20</a:t>
+              <a:t>2025/6/23</a:t>
             </a:fld>
             <a:endParaRPr kumimoji="1" lang="ja-JP" altLang="en-US"/>
           </a:p>
@@ -1231,7 +1235,7 @@
           <a:p>
             <a:fld id="{252E7D99-42D8-45B1-82CF-6E50710AA797}" type="datetimeFigureOut">
               <a:rPr kumimoji="1" lang="ja-JP" altLang="en-US" smtClean="0"/>
-              <a:t>2025/6/20</a:t>
+              <a:t>2025/6/23</a:t>
             </a:fld>
             <a:endParaRPr kumimoji="1" lang="ja-JP" altLang="en-US"/>
           </a:p>
@@ -1560,7 +1564,7 @@
           <a:p>
             <a:fld id="{252E7D99-42D8-45B1-82CF-6E50710AA797}" type="datetimeFigureOut">
               <a:rPr kumimoji="1" lang="ja-JP" altLang="en-US" smtClean="0"/>
-              <a:t>2025/6/20</a:t>
+              <a:t>2025/6/23</a:t>
             </a:fld>
             <a:endParaRPr kumimoji="1" lang="ja-JP" altLang="en-US"/>
           </a:p>
@@ -2036,7 +2040,7 @@
           <a:p>
             <a:fld id="{252E7D99-42D8-45B1-82CF-6E50710AA797}" type="datetimeFigureOut">
               <a:rPr kumimoji="1" lang="ja-JP" altLang="en-US" smtClean="0"/>
-              <a:t>2025/6/20</a:t>
+              <a:t>2025/6/23</a:t>
             </a:fld>
             <a:endParaRPr kumimoji="1" lang="ja-JP" altLang="en-US"/>
           </a:p>
@@ -2177,7 +2181,7 @@
           <a:p>
             <a:fld id="{252E7D99-42D8-45B1-82CF-6E50710AA797}" type="datetimeFigureOut">
               <a:rPr kumimoji="1" lang="ja-JP" altLang="en-US" smtClean="0"/>
-              <a:t>2025/6/20</a:t>
+              <a:t>2025/6/23</a:t>
             </a:fld>
             <a:endParaRPr kumimoji="1" lang="ja-JP" altLang="en-US"/>
           </a:p>
@@ -2290,7 +2294,7 @@
           <a:p>
             <a:fld id="{252E7D99-42D8-45B1-82CF-6E50710AA797}" type="datetimeFigureOut">
               <a:rPr kumimoji="1" lang="ja-JP" altLang="en-US" smtClean="0"/>
-              <a:t>2025/6/20</a:t>
+              <a:t>2025/6/23</a:t>
             </a:fld>
             <a:endParaRPr kumimoji="1" lang="ja-JP" altLang="en-US"/>
           </a:p>
@@ -2633,7 +2637,7 @@
           <a:p>
             <a:fld id="{252E7D99-42D8-45B1-82CF-6E50710AA797}" type="datetimeFigureOut">
               <a:rPr kumimoji="1" lang="ja-JP" altLang="en-US" smtClean="0"/>
-              <a:t>2025/6/20</a:t>
+              <a:t>2025/6/23</a:t>
             </a:fld>
             <a:endParaRPr kumimoji="1" lang="ja-JP" altLang="en-US"/>
           </a:p>
@@ -2921,7 +2925,7 @@
           <a:p>
             <a:fld id="{252E7D99-42D8-45B1-82CF-6E50710AA797}" type="datetimeFigureOut">
               <a:rPr kumimoji="1" lang="ja-JP" altLang="en-US" smtClean="0"/>
-              <a:t>2025/6/20</a:t>
+              <a:t>2025/6/23</a:t>
             </a:fld>
             <a:endParaRPr kumimoji="1" lang="ja-JP" altLang="en-US"/>
           </a:p>
@@ -3194,7 +3198,7 @@
           <a:p>
             <a:fld id="{252E7D99-42D8-45B1-82CF-6E50710AA797}" type="datetimeFigureOut">
               <a:rPr kumimoji="1" lang="ja-JP" altLang="en-US" smtClean="0"/>
-              <a:t>2025/6/20</a:t>
+              <a:t>2025/6/23</a:t>
             </a:fld>
             <a:endParaRPr kumimoji="1" lang="ja-JP" altLang="en-US"/>
           </a:p>
@@ -3682,13 +3686,6 @@
             </a:r>
             <a:endParaRPr lang="en-US" altLang="ja-JP" sz="3600" dirty="0"/>
           </a:p>
-          <a:p>
-            <a:r>
-              <a:rPr kumimoji="1" lang="ja-JP" altLang="en-US" sz="3600" dirty="0"/>
-              <a:t>画面遷移図</a:t>
-            </a:r>
-            <a:endParaRPr kumimoji="1" lang="en-US" altLang="ja-JP" sz="3600" dirty="0"/>
-          </a:p>
         </p:txBody>
       </p:sp>
     </p:spTree>
@@ -3739,27 +3736,552 @@
         </p:nvSpPr>
         <p:spPr>
           <a:xfrm>
-            <a:off x="240631" y="288758"/>
-            <a:ext cx="11129211" cy="770021"/>
+            <a:off x="240631" y="288759"/>
+            <a:ext cx="3733801" cy="457200"/>
           </a:xfrm>
         </p:spPr>
         <p:txBody>
-          <a:bodyPr/>
-          <a:lstStyle/>
-          <a:p>
-            <a:r>
-              <a:rPr kumimoji="1" lang="ja-JP" altLang="en-US" dirty="0"/>
+          <a:bodyPr>
+            <a:noAutofit/>
+          </a:bodyPr>
+          <a:lstStyle/>
+          <a:p>
+            <a:r>
+              <a:rPr kumimoji="1" lang="ja-JP" altLang="en-US" sz="3600" dirty="0"/>
               <a:t>業務フロー図</a:t>
             </a:r>
           </a:p>
         </p:txBody>
       </p:sp>
-      <p:sp>
-        <p:nvSpPr>
-          <p:cNvPr id="4" name="楕円 3">
-            <a:extLst>
-              <a:ext uri="{FF2B5EF4-FFF2-40B4-BE49-F238E27FC236}">
-                <a16:creationId xmlns:a16="http://schemas.microsoft.com/office/drawing/2014/main" id="{EDE43DDE-6600-DE9D-9C4B-BE9740941B33}"/>
+      <p:grpSp>
+        <p:nvGrpSpPr>
+          <p:cNvPr id="30" name="グループ化 29">
+            <a:extLst>
+              <a:ext uri="{FF2B5EF4-FFF2-40B4-BE49-F238E27FC236}">
+                <a16:creationId xmlns:a16="http://schemas.microsoft.com/office/drawing/2014/main" id="{6F9591DE-C551-DF23-54DC-7D72B98DE7B3}"/>
+              </a:ext>
+            </a:extLst>
+          </p:cNvPr>
+          <p:cNvGrpSpPr/>
+          <p:nvPr/>
+        </p:nvGrpSpPr>
+        <p:grpSpPr>
+          <a:xfrm>
+            <a:off x="5270498" y="745959"/>
+            <a:ext cx="4179772" cy="5168007"/>
+            <a:chOff x="5270498" y="745959"/>
+            <a:chExt cx="4179772" cy="5168007"/>
+          </a:xfrm>
+        </p:grpSpPr>
+        <p:sp>
+          <p:nvSpPr>
+            <p:cNvPr id="3" name="四角形: 角を丸くする 2">
+              <a:extLst>
+                <a:ext uri="{FF2B5EF4-FFF2-40B4-BE49-F238E27FC236}">
+                  <a16:creationId xmlns:a16="http://schemas.microsoft.com/office/drawing/2014/main" id="{D07BB962-CD11-CD53-953F-29BE5925EF9D}"/>
+                </a:ext>
+              </a:extLst>
+            </p:cNvPr>
+            <p:cNvSpPr/>
+            <p:nvPr/>
+          </p:nvSpPr>
+          <p:spPr>
+            <a:xfrm>
+              <a:off x="5720089" y="745959"/>
+              <a:ext cx="751819" cy="198074"/>
+            </a:xfrm>
+            <a:prstGeom prst="roundRect">
+              <a:avLst/>
+            </a:prstGeom>
+            <a:solidFill>
+              <a:schemeClr val="accent1">
+                <a:lumMod val="20000"/>
+                <a:lumOff val="80000"/>
+              </a:schemeClr>
+            </a:solidFill>
+            <a:ln>
+              <a:solidFill>
+                <a:schemeClr val="accent1"/>
+              </a:solidFill>
+            </a:ln>
+          </p:spPr>
+          <p:style>
+            <a:lnRef idx="2">
+              <a:schemeClr val="accent1">
+                <a:shade val="15000"/>
+              </a:schemeClr>
+            </a:lnRef>
+            <a:fillRef idx="1">
+              <a:schemeClr val="accent1"/>
+            </a:fillRef>
+            <a:effectRef idx="0">
+              <a:schemeClr val="accent1"/>
+            </a:effectRef>
+            <a:fontRef idx="minor">
+              <a:schemeClr val="lt1"/>
+            </a:fontRef>
+          </p:style>
+          <p:txBody>
+            <a:bodyPr rtlCol="0" anchor="ctr"/>
+            <a:lstStyle/>
+            <a:p>
+              <a:pPr algn="ctr"/>
+              <a:r>
+                <a:rPr kumimoji="1" lang="ja-JP" altLang="en-US" sz="1200" dirty="0">
+                  <a:solidFill>
+                    <a:schemeClr val="tx1"/>
+                  </a:solidFill>
+                </a:rPr>
+                <a:t>開始</a:t>
+              </a:r>
+            </a:p>
+          </p:txBody>
+        </p:sp>
+        <p:sp>
+          <p:nvSpPr>
+            <p:cNvPr id="6" name="フローチャート: 判断 5">
+              <a:extLst>
+                <a:ext uri="{FF2B5EF4-FFF2-40B4-BE49-F238E27FC236}">
+                  <a16:creationId xmlns:a16="http://schemas.microsoft.com/office/drawing/2014/main" id="{F4253AEB-DE28-BB92-52D0-DA1174BBB4B7}"/>
+                </a:ext>
+              </a:extLst>
+            </p:cNvPr>
+            <p:cNvSpPr/>
+            <p:nvPr/>
+          </p:nvSpPr>
+          <p:spPr>
+            <a:xfrm>
+              <a:off x="5270498" y="3005666"/>
+              <a:ext cx="1651000" cy="977900"/>
+            </a:xfrm>
+            <a:prstGeom prst="flowChartDecision">
+              <a:avLst/>
+            </a:prstGeom>
+            <a:solidFill>
+              <a:schemeClr val="accent2">
+                <a:lumMod val="20000"/>
+                <a:lumOff val="80000"/>
+              </a:schemeClr>
+            </a:solidFill>
+            <a:ln>
+              <a:solidFill>
+                <a:schemeClr val="accent2"/>
+              </a:solidFill>
+            </a:ln>
+          </p:spPr>
+          <p:style>
+            <a:lnRef idx="2">
+              <a:schemeClr val="accent1">
+                <a:shade val="15000"/>
+              </a:schemeClr>
+            </a:lnRef>
+            <a:fillRef idx="1">
+              <a:schemeClr val="accent1"/>
+            </a:fillRef>
+            <a:effectRef idx="0">
+              <a:schemeClr val="accent1"/>
+            </a:effectRef>
+            <a:fontRef idx="minor">
+              <a:schemeClr val="lt1"/>
+            </a:fontRef>
+          </p:style>
+          <p:txBody>
+            <a:bodyPr rtlCol="0" anchor="ctr"/>
+            <a:lstStyle/>
+            <a:p>
+              <a:pPr algn="ctr"/>
+              <a:r>
+                <a:rPr kumimoji="1" lang="ja-JP" altLang="en-US" sz="1200" dirty="0">
+                  <a:solidFill>
+                    <a:schemeClr val="tx1"/>
+                  </a:solidFill>
+                </a:rPr>
+                <a:t>残業が</a:t>
+              </a:r>
+              <a:endParaRPr kumimoji="1" lang="en-US" altLang="ja-JP" sz="1200" dirty="0">
+                <a:solidFill>
+                  <a:schemeClr val="tx1"/>
+                </a:solidFill>
+              </a:endParaRPr>
+            </a:p>
+            <a:p>
+              <a:pPr algn="ctr"/>
+              <a:r>
+                <a:rPr kumimoji="1" lang="ja-JP" altLang="en-US" sz="1200" dirty="0">
+                  <a:solidFill>
+                    <a:schemeClr val="tx1"/>
+                  </a:solidFill>
+                </a:rPr>
+                <a:t>必要か？</a:t>
+              </a:r>
+            </a:p>
+          </p:txBody>
+        </p:sp>
+        <p:sp>
+          <p:nvSpPr>
+            <p:cNvPr id="14" name="正方形/長方形 13">
+              <a:extLst>
+                <a:ext uri="{FF2B5EF4-FFF2-40B4-BE49-F238E27FC236}">
+                  <a16:creationId xmlns:a16="http://schemas.microsoft.com/office/drawing/2014/main" id="{B0FC6916-16EB-4267-A5E0-9F3D97B30AF5}"/>
+                </a:ext>
+              </a:extLst>
+            </p:cNvPr>
+            <p:cNvSpPr/>
+            <p:nvPr/>
+          </p:nvSpPr>
+          <p:spPr>
+            <a:xfrm>
+              <a:off x="5270498" y="1325033"/>
+              <a:ext cx="1651000" cy="457200"/>
+            </a:xfrm>
+            <a:prstGeom prst="rect">
+              <a:avLst/>
+            </a:prstGeom>
+            <a:ln>
+              <a:solidFill>
+                <a:schemeClr val="tx1"/>
+              </a:solidFill>
+            </a:ln>
+          </p:spPr>
+          <p:style>
+            <a:lnRef idx="2">
+              <a:schemeClr val="accent6"/>
+            </a:lnRef>
+            <a:fillRef idx="1">
+              <a:schemeClr val="lt1"/>
+            </a:fillRef>
+            <a:effectRef idx="0">
+              <a:schemeClr val="accent6"/>
+            </a:effectRef>
+            <a:fontRef idx="minor">
+              <a:schemeClr val="dk1"/>
+            </a:fontRef>
+          </p:style>
+          <p:txBody>
+            <a:bodyPr rtlCol="0" anchor="ctr"/>
+            <a:lstStyle/>
+            <a:p>
+              <a:pPr algn="ctr"/>
+              <a:r>
+                <a:rPr kumimoji="1" lang="ja-JP" altLang="en-US" sz="1200" dirty="0"/>
+                <a:t>従業員がデバイス</a:t>
+              </a:r>
+              <a:r>
+                <a:rPr lang="ja-JP" altLang="en-US" sz="1200" dirty="0"/>
+                <a:t>か</a:t>
+              </a:r>
+              <a:r>
+                <a:rPr kumimoji="1" lang="en-US" altLang="ja-JP" sz="1200" dirty="0"/>
+                <a:t>IC</a:t>
+              </a:r>
+              <a:r>
+                <a:rPr kumimoji="1" lang="ja-JP" altLang="en-US" sz="1200" dirty="0"/>
+                <a:t>カード</a:t>
+              </a:r>
+              <a:r>
+                <a:rPr lang="ja-JP" altLang="en-US" sz="1200" dirty="0"/>
+                <a:t>で出勤打刻</a:t>
+              </a:r>
+              <a:endParaRPr kumimoji="1" lang="en-US" altLang="ja-JP" sz="1200" dirty="0"/>
+            </a:p>
+          </p:txBody>
+        </p:sp>
+        <p:sp>
+          <p:nvSpPr>
+            <p:cNvPr id="15" name="正方形/長方形 14">
+              <a:extLst>
+                <a:ext uri="{FF2B5EF4-FFF2-40B4-BE49-F238E27FC236}">
+                  <a16:creationId xmlns:a16="http://schemas.microsoft.com/office/drawing/2014/main" id="{A7164D26-765E-87E0-345E-9155EADD818B}"/>
+                </a:ext>
+              </a:extLst>
+            </p:cNvPr>
+            <p:cNvSpPr/>
+            <p:nvPr/>
+          </p:nvSpPr>
+          <p:spPr>
+            <a:xfrm>
+              <a:off x="5270498" y="2167466"/>
+              <a:ext cx="1651000" cy="457200"/>
+            </a:xfrm>
+            <a:prstGeom prst="rect">
+              <a:avLst/>
+            </a:prstGeom>
+            <a:ln>
+              <a:solidFill>
+                <a:schemeClr val="tx1"/>
+              </a:solidFill>
+            </a:ln>
+          </p:spPr>
+          <p:style>
+            <a:lnRef idx="2">
+              <a:schemeClr val="accent6"/>
+            </a:lnRef>
+            <a:fillRef idx="1">
+              <a:schemeClr val="lt1"/>
+            </a:fillRef>
+            <a:effectRef idx="0">
+              <a:schemeClr val="accent6"/>
+            </a:effectRef>
+            <a:fontRef idx="minor">
+              <a:schemeClr val="dk1"/>
+            </a:fontRef>
+          </p:style>
+          <p:txBody>
+            <a:bodyPr rtlCol="0" anchor="ctr"/>
+            <a:lstStyle/>
+            <a:p>
+              <a:pPr algn="ctr"/>
+              <a:r>
+                <a:rPr kumimoji="1" lang="ja-JP" altLang="en-US" sz="1200" dirty="0"/>
+                <a:t>従業員がデバイス</a:t>
+              </a:r>
+              <a:r>
+                <a:rPr lang="ja-JP" altLang="en-US" sz="1200" dirty="0"/>
+                <a:t>か</a:t>
+              </a:r>
+              <a:r>
+                <a:rPr kumimoji="1" lang="en-US" altLang="ja-JP" sz="1200" dirty="0"/>
+                <a:t>IC</a:t>
+              </a:r>
+              <a:r>
+                <a:rPr kumimoji="1" lang="ja-JP" altLang="en-US" sz="1200" dirty="0"/>
+                <a:t>カード</a:t>
+              </a:r>
+              <a:r>
+                <a:rPr lang="ja-JP" altLang="en-US" sz="1200" dirty="0"/>
+                <a:t>で退勤打刻</a:t>
+              </a:r>
+              <a:endParaRPr kumimoji="1" lang="en-US" altLang="ja-JP" sz="1200" dirty="0"/>
+            </a:p>
+          </p:txBody>
+        </p:sp>
+        <p:sp>
+          <p:nvSpPr>
+            <p:cNvPr id="16" name="正方形/長方形 15">
+              <a:extLst>
+                <a:ext uri="{FF2B5EF4-FFF2-40B4-BE49-F238E27FC236}">
+                  <a16:creationId xmlns:a16="http://schemas.microsoft.com/office/drawing/2014/main" id="{AEAAC5F4-9E03-DFF6-5536-ED207F88810E}"/>
+                </a:ext>
+              </a:extLst>
+            </p:cNvPr>
+            <p:cNvSpPr/>
+            <p:nvPr/>
+          </p:nvSpPr>
+          <p:spPr>
+            <a:xfrm>
+              <a:off x="7799270" y="3135841"/>
+              <a:ext cx="1651000" cy="717550"/>
+            </a:xfrm>
+            <a:prstGeom prst="rect">
+              <a:avLst/>
+            </a:prstGeom>
+            <a:ln>
+              <a:solidFill>
+                <a:schemeClr val="tx1"/>
+              </a:solidFill>
+            </a:ln>
+          </p:spPr>
+          <p:style>
+            <a:lnRef idx="2">
+              <a:schemeClr val="accent6"/>
+            </a:lnRef>
+            <a:fillRef idx="1">
+              <a:schemeClr val="lt1"/>
+            </a:fillRef>
+            <a:effectRef idx="0">
+              <a:schemeClr val="accent6"/>
+            </a:effectRef>
+            <a:fontRef idx="minor">
+              <a:schemeClr val="dk1"/>
+            </a:fontRef>
+          </p:style>
+          <p:txBody>
+            <a:bodyPr rtlCol="0" anchor="ctr"/>
+            <a:lstStyle/>
+            <a:p>
+              <a:pPr algn="ctr"/>
+              <a:r>
+                <a:rPr lang="ja-JP" altLang="en-US" sz="1200" dirty="0"/>
+                <a:t>デバイスか</a:t>
+              </a:r>
+              <a:r>
+                <a:rPr lang="en-US" altLang="ja-JP" sz="1200" dirty="0"/>
+                <a:t>IC</a:t>
+              </a:r>
+              <a:r>
+                <a:rPr lang="ja-JP" altLang="en-US" sz="1200" dirty="0"/>
+                <a:t>カードから申請し、上長に自動で承認依頼が送信される</a:t>
+              </a:r>
+              <a:endParaRPr kumimoji="1" lang="en-US" altLang="ja-JP" sz="1200" dirty="0"/>
+            </a:p>
+          </p:txBody>
+        </p:sp>
+        <p:sp>
+          <p:nvSpPr>
+            <p:cNvPr id="24" name="正方形/長方形 23">
+              <a:extLst>
+                <a:ext uri="{FF2B5EF4-FFF2-40B4-BE49-F238E27FC236}">
+                  <a16:creationId xmlns:a16="http://schemas.microsoft.com/office/drawing/2014/main" id="{94F64D7C-0453-F5B9-92A4-5037BE8A2E1E}"/>
+                </a:ext>
+              </a:extLst>
+            </p:cNvPr>
+            <p:cNvSpPr/>
+            <p:nvPr/>
+          </p:nvSpPr>
+          <p:spPr>
+            <a:xfrm>
+              <a:off x="7799270" y="4364566"/>
+              <a:ext cx="1651000" cy="457200"/>
+            </a:xfrm>
+            <a:prstGeom prst="rect">
+              <a:avLst/>
+            </a:prstGeom>
+            <a:ln>
+              <a:solidFill>
+                <a:schemeClr val="tx1"/>
+              </a:solidFill>
+            </a:ln>
+          </p:spPr>
+          <p:style>
+            <a:lnRef idx="2">
+              <a:schemeClr val="accent6"/>
+            </a:lnRef>
+            <a:fillRef idx="1">
+              <a:schemeClr val="lt1"/>
+            </a:fillRef>
+            <a:effectRef idx="0">
+              <a:schemeClr val="accent6"/>
+            </a:effectRef>
+            <a:fontRef idx="minor">
+              <a:schemeClr val="dk1"/>
+            </a:fontRef>
+          </p:style>
+          <p:txBody>
+            <a:bodyPr rtlCol="0" anchor="ctr"/>
+            <a:lstStyle/>
+            <a:p>
+              <a:pPr algn="ctr"/>
+              <a:r>
+                <a:rPr lang="ja-JP" altLang="en-US" sz="1200" dirty="0"/>
+                <a:t>上長による残業申請承認</a:t>
+              </a:r>
+              <a:endParaRPr kumimoji="1" lang="en-US" altLang="ja-JP" sz="1200" dirty="0"/>
+            </a:p>
+          </p:txBody>
+        </p:sp>
+        <p:sp>
+          <p:nvSpPr>
+            <p:cNvPr id="26" name="正方形/長方形 25">
+              <a:extLst>
+                <a:ext uri="{FF2B5EF4-FFF2-40B4-BE49-F238E27FC236}">
+                  <a16:creationId xmlns:a16="http://schemas.microsoft.com/office/drawing/2014/main" id="{BEC8B3F0-62F6-0765-25BF-A5EAD10A4836}"/>
+                </a:ext>
+              </a:extLst>
+            </p:cNvPr>
+            <p:cNvSpPr/>
+            <p:nvPr/>
+          </p:nvSpPr>
+          <p:spPr>
+            <a:xfrm>
+              <a:off x="5270498" y="4364566"/>
+              <a:ext cx="1651000" cy="457200"/>
+            </a:xfrm>
+            <a:prstGeom prst="rect">
+              <a:avLst/>
+            </a:prstGeom>
+            <a:ln>
+              <a:solidFill>
+                <a:schemeClr val="tx1"/>
+              </a:solidFill>
+            </a:ln>
+          </p:spPr>
+          <p:style>
+            <a:lnRef idx="2">
+              <a:schemeClr val="accent6"/>
+            </a:lnRef>
+            <a:fillRef idx="1">
+              <a:schemeClr val="lt1"/>
+            </a:fillRef>
+            <a:effectRef idx="0">
+              <a:schemeClr val="accent6"/>
+            </a:effectRef>
+            <a:fontRef idx="minor">
+              <a:schemeClr val="dk1"/>
+            </a:fontRef>
+          </p:style>
+          <p:txBody>
+            <a:bodyPr rtlCol="0" anchor="ctr"/>
+            <a:lstStyle/>
+            <a:p>
+              <a:pPr algn="ctr"/>
+              <a:r>
+                <a:rPr kumimoji="1" lang="ja-JP" altLang="en-US" sz="1200" dirty="0"/>
+                <a:t>リアルタイムで総勤務時間を集計</a:t>
+              </a:r>
+              <a:endParaRPr kumimoji="1" lang="en-US" altLang="ja-JP" sz="1200" dirty="0"/>
+            </a:p>
+          </p:txBody>
+        </p:sp>
+        <p:sp>
+          <p:nvSpPr>
+            <p:cNvPr id="27" name="正方形/長方形 26">
+              <a:extLst>
+                <a:ext uri="{FF2B5EF4-FFF2-40B4-BE49-F238E27FC236}">
+                  <a16:creationId xmlns:a16="http://schemas.microsoft.com/office/drawing/2014/main" id="{789F2B0C-2E25-E2BD-8BD5-38E6A619FF6C}"/>
+                </a:ext>
+              </a:extLst>
+            </p:cNvPr>
+            <p:cNvSpPr/>
+            <p:nvPr/>
+          </p:nvSpPr>
+          <p:spPr>
+            <a:xfrm>
+              <a:off x="5270498" y="5202766"/>
+              <a:ext cx="1651000" cy="711200"/>
+            </a:xfrm>
+            <a:prstGeom prst="rect">
+              <a:avLst/>
+            </a:prstGeom>
+            <a:ln>
+              <a:solidFill>
+                <a:schemeClr val="tx1"/>
+              </a:solidFill>
+            </a:ln>
+          </p:spPr>
+          <p:style>
+            <a:lnRef idx="2">
+              <a:schemeClr val="accent6"/>
+            </a:lnRef>
+            <a:fillRef idx="1">
+              <a:schemeClr val="lt1"/>
+            </a:fillRef>
+            <a:effectRef idx="0">
+              <a:schemeClr val="accent6"/>
+            </a:effectRef>
+            <a:fontRef idx="minor">
+              <a:schemeClr val="dk1"/>
+            </a:fontRef>
+          </p:style>
+          <p:txBody>
+            <a:bodyPr rtlCol="0" anchor="ctr"/>
+            <a:lstStyle/>
+            <a:p>
+              <a:pPr algn="ctr"/>
+              <a:r>
+                <a:rPr lang="ja-JP" altLang="en-US" sz="1200" dirty="0"/>
+                <a:t>月末に給与システムと連携し、集計した勤務時間から給与を計算</a:t>
+              </a:r>
+              <a:endParaRPr kumimoji="1" lang="en-US" altLang="ja-JP" sz="1200" dirty="0"/>
+            </a:p>
+          </p:txBody>
+        </p:sp>
+      </p:grpSp>
+      <p:sp>
+        <p:nvSpPr>
+          <p:cNvPr id="31" name="四角形: 角を丸くする 30">
+            <a:extLst>
+              <a:ext uri="{FF2B5EF4-FFF2-40B4-BE49-F238E27FC236}">
+                <a16:creationId xmlns:a16="http://schemas.microsoft.com/office/drawing/2014/main" id="{ECE7FBEB-2A26-FFF6-ACDD-712F69A180FD}"/>
               </a:ext>
             </a:extLst>
           </p:cNvPr>
@@ -3768,72 +4290,38 @@
         </p:nvSpPr>
         <p:spPr>
           <a:xfrm>
-            <a:off x="838200" y="1379621"/>
-            <a:ext cx="1086853" cy="561474"/>
-          </a:xfrm>
-          <a:prstGeom prst="ellipse">
-            <a:avLst/>
-          </a:prstGeom>
-        </p:spPr>
-        <p:style>
-          <a:lnRef idx="2">
-            <a:schemeClr val="accent6"/>
-          </a:lnRef>
-          <a:fillRef idx="1">
-            <a:schemeClr val="lt1"/>
-          </a:fillRef>
-          <a:effectRef idx="0">
-            <a:schemeClr val="accent6"/>
-          </a:effectRef>
-          <a:fontRef idx="minor">
-            <a:schemeClr val="dk1"/>
-          </a:fontRef>
-        </p:style>
-        <p:txBody>
-          <a:bodyPr rtlCol="0" anchor="ctr"/>
-          <a:lstStyle/>
-          <a:p>
-            <a:pPr algn="ctr"/>
-            <a:r>
-              <a:rPr kumimoji="1" lang="ja-JP" altLang="en-US" dirty="0"/>
-              <a:t>開始</a:t>
-            </a:r>
-          </a:p>
-        </p:txBody>
-      </p:sp>
-      <p:sp>
-        <p:nvSpPr>
-          <p:cNvPr id="5" name="四角形: 角を丸くする 4">
-            <a:extLst>
-              <a:ext uri="{FF2B5EF4-FFF2-40B4-BE49-F238E27FC236}">
-                <a16:creationId xmlns:a16="http://schemas.microsoft.com/office/drawing/2014/main" id="{E6CAAF0F-4958-3AE9-8561-B0CEC231BC7A}"/>
-              </a:ext>
-            </a:extLst>
-          </p:cNvPr>
-          <p:cNvSpPr/>
-          <p:nvPr/>
-        </p:nvSpPr>
-        <p:spPr>
-          <a:xfrm>
-            <a:off x="2406316" y="1379621"/>
-            <a:ext cx="1086853" cy="561474"/>
+            <a:off x="5720089" y="6195929"/>
+            <a:ext cx="751819" cy="198074"/>
           </a:xfrm>
           <a:prstGeom prst="roundRect">
             <a:avLst/>
           </a:prstGeom>
+          <a:solidFill>
+            <a:schemeClr val="accent1">
+              <a:lumMod val="20000"/>
+              <a:lumOff val="80000"/>
+            </a:schemeClr>
+          </a:solidFill>
+          <a:ln>
+            <a:solidFill>
+              <a:schemeClr val="accent1"/>
+            </a:solidFill>
+          </a:ln>
         </p:spPr>
         <p:style>
           <a:lnRef idx="2">
-            <a:schemeClr val="accent4"/>
+            <a:schemeClr val="accent1">
+              <a:shade val="15000"/>
+            </a:schemeClr>
           </a:lnRef>
           <a:fillRef idx="1">
-            <a:schemeClr val="lt1"/>
+            <a:schemeClr val="accent1"/>
           </a:fillRef>
           <a:effectRef idx="0">
-            <a:schemeClr val="accent4"/>
+            <a:schemeClr val="accent1"/>
           </a:effectRef>
           <a:fontRef idx="minor">
-            <a:schemeClr val="dk1"/>
+            <a:schemeClr val="lt1"/>
           </a:fontRef>
         </p:style>
         <p:txBody>
@@ -3842,403 +4330,48 @@
           <a:p>
             <a:pPr algn="ctr"/>
             <a:r>
-              <a:rPr kumimoji="1" lang="ja-JP" altLang="en-US" dirty="0"/>
-              <a:t>サイト訪問</a:t>
-            </a:r>
-          </a:p>
-        </p:txBody>
-      </p:sp>
-      <p:sp>
-        <p:nvSpPr>
-          <p:cNvPr id="7" name="ひし形 6">
-            <a:extLst>
-              <a:ext uri="{FF2B5EF4-FFF2-40B4-BE49-F238E27FC236}">
-                <a16:creationId xmlns:a16="http://schemas.microsoft.com/office/drawing/2014/main" id="{6BB41921-814C-D6B2-3444-F986879FC58F}"/>
-              </a:ext>
-            </a:extLst>
-          </p:cNvPr>
-          <p:cNvSpPr/>
-          <p:nvPr/>
-        </p:nvSpPr>
-        <p:spPr>
-          <a:xfrm>
-            <a:off x="3974432" y="1171074"/>
-            <a:ext cx="1800726" cy="914400"/>
-          </a:xfrm>
-          <a:prstGeom prst="diamond">
-            <a:avLst/>
-          </a:prstGeom>
-        </p:spPr>
-        <p:style>
-          <a:lnRef idx="2">
-            <a:schemeClr val="accent2"/>
-          </a:lnRef>
-          <a:fillRef idx="1">
-            <a:schemeClr val="lt1"/>
-          </a:fillRef>
-          <a:effectRef idx="0">
-            <a:schemeClr val="accent2"/>
-          </a:effectRef>
-          <a:fontRef idx="minor">
-            <a:schemeClr val="dk1"/>
-          </a:fontRef>
-        </p:style>
-        <p:txBody>
-          <a:bodyPr rtlCol="0" anchor="ctr"/>
-          <a:lstStyle/>
-          <a:p>
-            <a:pPr algn="ctr"/>
-            <a:r>
-              <a:rPr kumimoji="1" lang="ja-JP" altLang="en-US" dirty="0"/>
-              <a:t>会員？</a:t>
-            </a:r>
-          </a:p>
-        </p:txBody>
-      </p:sp>
-      <p:sp>
-        <p:nvSpPr>
-          <p:cNvPr id="8" name="四角形: 角を丸くする 7">
-            <a:extLst>
-              <a:ext uri="{FF2B5EF4-FFF2-40B4-BE49-F238E27FC236}">
-                <a16:creationId xmlns:a16="http://schemas.microsoft.com/office/drawing/2014/main" id="{CB67E838-53DF-6E8B-3DB2-DF37D28932DC}"/>
-              </a:ext>
-            </a:extLst>
-          </p:cNvPr>
-          <p:cNvSpPr/>
-          <p:nvPr/>
-        </p:nvSpPr>
-        <p:spPr>
-          <a:xfrm>
-            <a:off x="4331368" y="2867526"/>
-            <a:ext cx="1086853" cy="561474"/>
-          </a:xfrm>
-          <a:prstGeom prst="roundRect">
-            <a:avLst/>
-          </a:prstGeom>
-        </p:spPr>
-        <p:style>
-          <a:lnRef idx="2">
-            <a:schemeClr val="accent4"/>
-          </a:lnRef>
-          <a:fillRef idx="1">
-            <a:schemeClr val="lt1"/>
-          </a:fillRef>
-          <a:effectRef idx="0">
-            <a:schemeClr val="accent4"/>
-          </a:effectRef>
-          <a:fontRef idx="minor">
-            <a:schemeClr val="dk1"/>
-          </a:fontRef>
-        </p:style>
-        <p:txBody>
-          <a:bodyPr rtlCol="0" anchor="ctr"/>
-          <a:lstStyle/>
-          <a:p>
-            <a:pPr algn="ctr"/>
-            <a:r>
-              <a:rPr lang="ja-JP" altLang="en-US" dirty="0"/>
-              <a:t>会員</a:t>
-            </a:r>
-            <a:endParaRPr lang="en-US" altLang="ja-JP" dirty="0"/>
-          </a:p>
-          <a:p>
-            <a:pPr algn="ctr"/>
-            <a:r>
-              <a:rPr lang="ja-JP" altLang="en-US" dirty="0"/>
-              <a:t>登録</a:t>
-            </a:r>
-            <a:endParaRPr lang="en-US" altLang="ja-JP" dirty="0"/>
-          </a:p>
-        </p:txBody>
-      </p:sp>
-      <p:sp>
-        <p:nvSpPr>
-          <p:cNvPr id="9" name="四角形: 角を丸くする 8">
-            <a:extLst>
-              <a:ext uri="{FF2B5EF4-FFF2-40B4-BE49-F238E27FC236}">
-                <a16:creationId xmlns:a16="http://schemas.microsoft.com/office/drawing/2014/main" id="{C6F037AF-61F8-23E5-A8BD-D4A161134C44}"/>
-              </a:ext>
-            </a:extLst>
-          </p:cNvPr>
-          <p:cNvSpPr/>
-          <p:nvPr/>
-        </p:nvSpPr>
-        <p:spPr>
-          <a:xfrm>
-            <a:off x="6256421" y="1347537"/>
-            <a:ext cx="1086853" cy="561474"/>
-          </a:xfrm>
-          <a:prstGeom prst="roundRect">
-            <a:avLst/>
-          </a:prstGeom>
-        </p:spPr>
-        <p:style>
-          <a:lnRef idx="2">
-            <a:schemeClr val="accent4"/>
-          </a:lnRef>
-          <a:fillRef idx="1">
-            <a:schemeClr val="lt1"/>
-          </a:fillRef>
-          <a:effectRef idx="0">
-            <a:schemeClr val="accent4"/>
-          </a:effectRef>
-          <a:fontRef idx="minor">
-            <a:schemeClr val="dk1"/>
-          </a:fontRef>
-        </p:style>
-        <p:txBody>
-          <a:bodyPr rtlCol="0" anchor="ctr"/>
-          <a:lstStyle/>
-          <a:p>
-            <a:pPr algn="ctr"/>
-            <a:r>
-              <a:rPr lang="ja-JP" altLang="en-US" dirty="0"/>
-              <a:t>ログ</a:t>
-            </a:r>
-            <a:endParaRPr lang="en-US" altLang="ja-JP" dirty="0"/>
-          </a:p>
-          <a:p>
-            <a:pPr algn="ctr"/>
-            <a:r>
-              <a:rPr lang="ja-JP" altLang="en-US" dirty="0"/>
-              <a:t>イン</a:t>
-            </a:r>
-            <a:endParaRPr kumimoji="1" lang="ja-JP" altLang="en-US" dirty="0"/>
-          </a:p>
-        </p:txBody>
-      </p:sp>
-      <p:sp>
-        <p:nvSpPr>
-          <p:cNvPr id="10" name="四角形: 角を丸くする 9">
-            <a:extLst>
-              <a:ext uri="{FF2B5EF4-FFF2-40B4-BE49-F238E27FC236}">
-                <a16:creationId xmlns:a16="http://schemas.microsoft.com/office/drawing/2014/main" id="{E011EC62-AE9F-55D2-B70B-B19A5D4A612C}"/>
-              </a:ext>
-            </a:extLst>
-          </p:cNvPr>
-          <p:cNvSpPr/>
-          <p:nvPr/>
-        </p:nvSpPr>
-        <p:spPr>
-          <a:xfrm>
-            <a:off x="7824537" y="1347537"/>
-            <a:ext cx="1086853" cy="561474"/>
-          </a:xfrm>
-          <a:prstGeom prst="roundRect">
-            <a:avLst/>
-          </a:prstGeom>
-        </p:spPr>
-        <p:style>
-          <a:lnRef idx="2">
-            <a:schemeClr val="accent4"/>
-          </a:lnRef>
-          <a:fillRef idx="1">
-            <a:schemeClr val="lt1"/>
-          </a:fillRef>
-          <a:effectRef idx="0">
-            <a:schemeClr val="accent4"/>
-          </a:effectRef>
-          <a:fontRef idx="minor">
-            <a:schemeClr val="dk1"/>
-          </a:fontRef>
-        </p:style>
-        <p:txBody>
-          <a:bodyPr rtlCol="0" anchor="ctr"/>
-          <a:lstStyle/>
-          <a:p>
-            <a:pPr algn="ctr"/>
-            <a:r>
-              <a:rPr lang="ja-JP" altLang="en-US" dirty="0"/>
-              <a:t>検索</a:t>
-            </a:r>
-            <a:endParaRPr lang="en-US" altLang="ja-JP" dirty="0"/>
-          </a:p>
-          <a:p>
-            <a:pPr algn="ctr"/>
-            <a:r>
-              <a:rPr lang="ja-JP" altLang="en-US" dirty="0"/>
-              <a:t>閲覧</a:t>
-            </a:r>
-            <a:endParaRPr lang="en-US" altLang="ja-JP" dirty="0"/>
-          </a:p>
-        </p:txBody>
-      </p:sp>
-      <p:sp>
-        <p:nvSpPr>
-          <p:cNvPr id="11" name="ひし形 10">
-            <a:extLst>
-              <a:ext uri="{FF2B5EF4-FFF2-40B4-BE49-F238E27FC236}">
-                <a16:creationId xmlns:a16="http://schemas.microsoft.com/office/drawing/2014/main" id="{1367BCFA-BAB1-FDB9-8A41-01F9E7FED150}"/>
-              </a:ext>
-            </a:extLst>
-          </p:cNvPr>
-          <p:cNvSpPr/>
-          <p:nvPr/>
-        </p:nvSpPr>
-        <p:spPr>
-          <a:xfrm>
-            <a:off x="6023811" y="2691063"/>
-            <a:ext cx="1800726" cy="914400"/>
-          </a:xfrm>
-          <a:prstGeom prst="diamond">
-            <a:avLst/>
-          </a:prstGeom>
-        </p:spPr>
-        <p:style>
-          <a:lnRef idx="2">
-            <a:schemeClr val="accent2"/>
-          </a:lnRef>
-          <a:fillRef idx="1">
-            <a:schemeClr val="lt1"/>
-          </a:fillRef>
-          <a:effectRef idx="0">
-            <a:schemeClr val="accent2"/>
-          </a:effectRef>
-          <a:fontRef idx="minor">
-            <a:schemeClr val="dk1"/>
-          </a:fontRef>
-        </p:style>
-        <p:txBody>
-          <a:bodyPr rtlCol="0" anchor="ctr"/>
-          <a:lstStyle/>
-          <a:p>
-            <a:pPr algn="ctr"/>
-            <a:r>
-              <a:rPr lang="ja-JP" altLang="en-US" dirty="0"/>
-              <a:t>カートに追加？</a:t>
-            </a:r>
-            <a:endParaRPr lang="en-US" altLang="ja-JP" dirty="0"/>
-          </a:p>
-        </p:txBody>
-      </p:sp>
-      <p:sp>
-        <p:nvSpPr>
-          <p:cNvPr id="12" name="四角形: 角を丸くする 11">
-            <a:extLst>
-              <a:ext uri="{FF2B5EF4-FFF2-40B4-BE49-F238E27FC236}">
-                <a16:creationId xmlns:a16="http://schemas.microsoft.com/office/drawing/2014/main" id="{2FD1F37A-09B6-9223-907B-9CB00D016F14}"/>
-              </a:ext>
-            </a:extLst>
-          </p:cNvPr>
-          <p:cNvSpPr/>
-          <p:nvPr/>
-        </p:nvSpPr>
-        <p:spPr>
-          <a:xfrm>
-            <a:off x="9392653" y="1347537"/>
-            <a:ext cx="1086853" cy="561474"/>
-          </a:xfrm>
-          <a:prstGeom prst="roundRect">
-            <a:avLst/>
-          </a:prstGeom>
-        </p:spPr>
-        <p:style>
-          <a:lnRef idx="2">
-            <a:schemeClr val="accent4"/>
-          </a:lnRef>
-          <a:fillRef idx="1">
-            <a:schemeClr val="lt1"/>
-          </a:fillRef>
-          <a:effectRef idx="0">
-            <a:schemeClr val="accent4"/>
-          </a:effectRef>
-          <a:fontRef idx="minor">
-            <a:schemeClr val="dk1"/>
-          </a:fontRef>
-        </p:style>
-        <p:txBody>
-          <a:bodyPr rtlCol="0" anchor="ctr"/>
-          <a:lstStyle/>
-          <a:p>
-            <a:pPr algn="ctr"/>
-            <a:r>
-              <a:rPr lang="ja-JP" altLang="en-US" dirty="0"/>
-              <a:t>詳細</a:t>
-            </a:r>
-            <a:endParaRPr lang="en-US" altLang="ja-JP" dirty="0"/>
-          </a:p>
-          <a:p>
-            <a:pPr algn="ctr"/>
-            <a:r>
-              <a:rPr lang="ja-JP" altLang="en-US" dirty="0"/>
-              <a:t>表示</a:t>
-            </a:r>
-            <a:endParaRPr lang="en-US" altLang="ja-JP" dirty="0"/>
-          </a:p>
-        </p:txBody>
-      </p:sp>
-      <p:sp>
-        <p:nvSpPr>
-          <p:cNvPr id="13" name="ひし形 12">
-            <a:extLst>
-              <a:ext uri="{FF2B5EF4-FFF2-40B4-BE49-F238E27FC236}">
-                <a16:creationId xmlns:a16="http://schemas.microsoft.com/office/drawing/2014/main" id="{4A791A57-A964-A657-2C5A-A2DAE1C5A7AC}"/>
-              </a:ext>
-            </a:extLst>
-          </p:cNvPr>
-          <p:cNvSpPr/>
-          <p:nvPr/>
-        </p:nvSpPr>
-        <p:spPr>
-          <a:xfrm>
-            <a:off x="8367963" y="2691063"/>
-            <a:ext cx="1800726" cy="914400"/>
-          </a:xfrm>
-          <a:prstGeom prst="diamond">
-            <a:avLst/>
-          </a:prstGeom>
-        </p:spPr>
-        <p:style>
-          <a:lnRef idx="2">
-            <a:schemeClr val="accent2"/>
-          </a:lnRef>
-          <a:fillRef idx="1">
-            <a:schemeClr val="lt1"/>
-          </a:fillRef>
-          <a:effectRef idx="0">
-            <a:schemeClr val="accent2"/>
-          </a:effectRef>
-          <a:fontRef idx="minor">
-            <a:schemeClr val="dk1"/>
-          </a:fontRef>
-        </p:style>
-        <p:txBody>
-          <a:bodyPr rtlCol="0" anchor="ctr"/>
-          <a:lstStyle/>
-          <a:p>
-            <a:pPr algn="ctr"/>
-            <a:r>
-              <a:rPr lang="ja-JP" altLang="en-US" dirty="0"/>
-              <a:t>購入？</a:t>
-            </a:r>
-            <a:endParaRPr lang="en-US" altLang="ja-JP" dirty="0"/>
+              <a:rPr lang="ja-JP" altLang="en-US" sz="1200" dirty="0">
+                <a:solidFill>
+                  <a:schemeClr val="tx1"/>
+                </a:solidFill>
+              </a:rPr>
+              <a:t>終了</a:t>
+            </a:r>
+            <a:endParaRPr kumimoji="1" lang="ja-JP" altLang="en-US" sz="1200" dirty="0">
+              <a:solidFill>
+                <a:schemeClr val="tx1"/>
+              </a:solidFill>
+            </a:endParaRPr>
           </a:p>
         </p:txBody>
       </p:sp>
       <p:cxnSp>
         <p:nvCxnSpPr>
-          <p:cNvPr id="18" name="直線矢印コネクタ 17">
-            <a:extLst>
-              <a:ext uri="{FF2B5EF4-FFF2-40B4-BE49-F238E27FC236}">
-                <a16:creationId xmlns:a16="http://schemas.microsoft.com/office/drawing/2014/main" id="{8F636F6D-4DCB-50C2-8DE9-C3EFF6D5C9E3}"/>
+          <p:cNvPr id="34" name="直線矢印コネクタ 33">
+            <a:extLst>
+              <a:ext uri="{FF2B5EF4-FFF2-40B4-BE49-F238E27FC236}">
+                <a16:creationId xmlns:a16="http://schemas.microsoft.com/office/drawing/2014/main" id="{D967BD3B-51C6-752B-5C19-DEB32E26A706}"/>
               </a:ext>
             </a:extLst>
           </p:cNvPr>
           <p:cNvCxnSpPr>
-            <a:stCxn id="4" idx="6"/>
-            <a:endCxn id="5" idx="1"/>
+            <a:stCxn id="3" idx="2"/>
+            <a:endCxn id="14" idx="0"/>
           </p:cNvCxnSpPr>
           <p:nvPr/>
         </p:nvCxnSpPr>
         <p:spPr>
-          <a:xfrm>
-            <a:off x="1925053" y="1660358"/>
-            <a:ext cx="481263" cy="0"/>
+          <a:xfrm flipH="1">
+            <a:off x="6095998" y="944033"/>
+            <a:ext cx="1" cy="381000"/>
           </a:xfrm>
           <a:prstGeom prst="straightConnector1">
             <a:avLst/>
           </a:prstGeom>
           <a:ln>
+            <a:solidFill>
+              <a:schemeClr val="tx1"/>
+            </a:solidFill>
             <a:tailEnd type="triangle"/>
           </a:ln>
         </p:spPr>
@@ -4259,25 +4392,32 @@
       </p:cxnSp>
       <p:cxnSp>
         <p:nvCxnSpPr>
-          <p:cNvPr id="19" name="直線矢印コネクタ 18">
-            <a:extLst>
-              <a:ext uri="{FF2B5EF4-FFF2-40B4-BE49-F238E27FC236}">
-                <a16:creationId xmlns:a16="http://schemas.microsoft.com/office/drawing/2014/main" id="{DF926467-3452-433F-DFED-A563ADCA7648}"/>
-              </a:ext>
-            </a:extLst>
-          </p:cNvPr>
-          <p:cNvCxnSpPr/>
+          <p:cNvPr id="36" name="直線矢印コネクタ 35">
+            <a:extLst>
+              <a:ext uri="{FF2B5EF4-FFF2-40B4-BE49-F238E27FC236}">
+                <a16:creationId xmlns:a16="http://schemas.microsoft.com/office/drawing/2014/main" id="{08463B51-395F-D0BD-9197-5CDAC151B970}"/>
+              </a:ext>
+            </a:extLst>
+          </p:cNvPr>
+          <p:cNvCxnSpPr>
+            <a:cxnSpLocks/>
+            <a:stCxn id="14" idx="2"/>
+            <a:endCxn id="15" idx="0"/>
+          </p:cNvCxnSpPr>
           <p:nvPr/>
         </p:nvCxnSpPr>
         <p:spPr>
           <a:xfrm>
-            <a:off x="3493169" y="1660358"/>
-            <a:ext cx="481263" cy="0"/>
+            <a:off x="6095998" y="1782233"/>
+            <a:ext cx="0" cy="385233"/>
           </a:xfrm>
           <a:prstGeom prst="straightConnector1">
             <a:avLst/>
           </a:prstGeom>
           <a:ln>
+            <a:solidFill>
+              <a:schemeClr val="tx1"/>
+            </a:solidFill>
             <a:tailEnd type="triangle"/>
           </a:ln>
         </p:spPr>
@@ -4298,25 +4438,32 @@
       </p:cxnSp>
       <p:cxnSp>
         <p:nvCxnSpPr>
-          <p:cNvPr id="20" name="直線矢印コネクタ 19">
-            <a:extLst>
-              <a:ext uri="{FF2B5EF4-FFF2-40B4-BE49-F238E27FC236}">
-                <a16:creationId xmlns:a16="http://schemas.microsoft.com/office/drawing/2014/main" id="{E6CB493A-EA18-122B-4B13-A3AB9CAA785F}"/>
-              </a:ext>
-            </a:extLst>
-          </p:cNvPr>
-          <p:cNvCxnSpPr/>
+          <p:cNvPr id="40" name="直線矢印コネクタ 39">
+            <a:extLst>
+              <a:ext uri="{FF2B5EF4-FFF2-40B4-BE49-F238E27FC236}">
+                <a16:creationId xmlns:a16="http://schemas.microsoft.com/office/drawing/2014/main" id="{F7F5EE10-2B67-E08D-D247-008122E7C230}"/>
+              </a:ext>
+            </a:extLst>
+          </p:cNvPr>
+          <p:cNvCxnSpPr>
+            <a:cxnSpLocks/>
+            <a:stCxn id="15" idx="2"/>
+            <a:endCxn id="6" idx="0"/>
+          </p:cNvCxnSpPr>
           <p:nvPr/>
         </p:nvCxnSpPr>
         <p:spPr>
           <a:xfrm>
-            <a:off x="5775158" y="1660358"/>
-            <a:ext cx="481263" cy="0"/>
+            <a:off x="6095998" y="2624666"/>
+            <a:ext cx="0" cy="381000"/>
           </a:xfrm>
           <a:prstGeom prst="straightConnector1">
             <a:avLst/>
           </a:prstGeom>
           <a:ln>
+            <a:solidFill>
+              <a:schemeClr val="tx1"/>
+            </a:solidFill>
             <a:tailEnd type="triangle"/>
           </a:ln>
         </p:spPr>
@@ -4337,25 +4484,32 @@
       </p:cxnSp>
       <p:cxnSp>
         <p:nvCxnSpPr>
-          <p:cNvPr id="21" name="直線矢印コネクタ 20">
-            <a:extLst>
-              <a:ext uri="{FF2B5EF4-FFF2-40B4-BE49-F238E27FC236}">
-                <a16:creationId xmlns:a16="http://schemas.microsoft.com/office/drawing/2014/main" id="{F4C75159-4AEF-C49D-6155-5C83AC23DFB3}"/>
-              </a:ext>
-            </a:extLst>
-          </p:cNvPr>
-          <p:cNvCxnSpPr/>
+          <p:cNvPr id="47" name="直線矢印コネクタ 46">
+            <a:extLst>
+              <a:ext uri="{FF2B5EF4-FFF2-40B4-BE49-F238E27FC236}">
+                <a16:creationId xmlns:a16="http://schemas.microsoft.com/office/drawing/2014/main" id="{C9A73977-A948-39BE-8D9C-F098418622CA}"/>
+              </a:ext>
+            </a:extLst>
+          </p:cNvPr>
+          <p:cNvCxnSpPr>
+            <a:cxnSpLocks/>
+            <a:stCxn id="6" idx="2"/>
+            <a:endCxn id="26" idx="0"/>
+          </p:cNvCxnSpPr>
           <p:nvPr/>
         </p:nvCxnSpPr>
         <p:spPr>
           <a:xfrm>
-            <a:off x="7343274" y="1660358"/>
-            <a:ext cx="481263" cy="0"/>
+            <a:off x="6095998" y="3983566"/>
+            <a:ext cx="0" cy="381000"/>
           </a:xfrm>
           <a:prstGeom prst="straightConnector1">
             <a:avLst/>
           </a:prstGeom>
           <a:ln>
+            <a:solidFill>
+              <a:schemeClr val="tx1"/>
+            </a:solidFill>
             <a:tailEnd type="triangle"/>
           </a:ln>
         </p:spPr>
@@ -4376,25 +4530,32 @@
       </p:cxnSp>
       <p:cxnSp>
         <p:nvCxnSpPr>
-          <p:cNvPr id="22" name="直線矢印コネクタ 21">
-            <a:extLst>
-              <a:ext uri="{FF2B5EF4-FFF2-40B4-BE49-F238E27FC236}">
-                <a16:creationId xmlns:a16="http://schemas.microsoft.com/office/drawing/2014/main" id="{C50A3B0B-0EC7-A409-2015-B8A90EDBC857}"/>
-              </a:ext>
-            </a:extLst>
-          </p:cNvPr>
-          <p:cNvCxnSpPr/>
+          <p:cNvPr id="54" name="直線矢印コネクタ 53">
+            <a:extLst>
+              <a:ext uri="{FF2B5EF4-FFF2-40B4-BE49-F238E27FC236}">
+                <a16:creationId xmlns:a16="http://schemas.microsoft.com/office/drawing/2014/main" id="{C2ACE355-8ACE-8305-4980-F37FD98844C9}"/>
+              </a:ext>
+            </a:extLst>
+          </p:cNvPr>
+          <p:cNvCxnSpPr>
+            <a:cxnSpLocks/>
+            <a:stCxn id="26" idx="2"/>
+            <a:endCxn id="27" idx="0"/>
+          </p:cNvCxnSpPr>
           <p:nvPr/>
         </p:nvCxnSpPr>
         <p:spPr>
           <a:xfrm>
-            <a:off x="8911390" y="1660358"/>
-            <a:ext cx="481263" cy="0"/>
+            <a:off x="6095998" y="4821766"/>
+            <a:ext cx="0" cy="381000"/>
           </a:xfrm>
           <a:prstGeom prst="straightConnector1">
             <a:avLst/>
           </a:prstGeom>
           <a:ln>
+            <a:solidFill>
+              <a:schemeClr val="tx1"/>
+            </a:solidFill>
             <a:tailEnd type="triangle"/>
           </a:ln>
         </p:spPr>
@@ -4415,28 +4576,32 @@
       </p:cxnSp>
       <p:cxnSp>
         <p:nvCxnSpPr>
-          <p:cNvPr id="23" name="直線矢印コネクタ 22">
-            <a:extLst>
-              <a:ext uri="{FF2B5EF4-FFF2-40B4-BE49-F238E27FC236}">
-                <a16:creationId xmlns:a16="http://schemas.microsoft.com/office/drawing/2014/main" id="{A1816C5E-5F1E-17C6-0236-73CA2A4149EC}"/>
+          <p:cNvPr id="60" name="直線矢印コネクタ 59">
+            <a:extLst>
+              <a:ext uri="{FF2B5EF4-FFF2-40B4-BE49-F238E27FC236}">
+                <a16:creationId xmlns:a16="http://schemas.microsoft.com/office/drawing/2014/main" id="{CD342EC1-931D-786A-9AC9-E11D881BBEE7}"/>
               </a:ext>
             </a:extLst>
           </p:cNvPr>
           <p:cNvCxnSpPr>
             <a:cxnSpLocks/>
-            <a:endCxn id="8" idx="0"/>
+            <a:stCxn id="27" idx="2"/>
+            <a:endCxn id="31" idx="0"/>
           </p:cNvCxnSpPr>
           <p:nvPr/>
         </p:nvCxnSpPr>
         <p:spPr>
           <a:xfrm>
-            <a:off x="4874794" y="2117558"/>
-            <a:ext cx="1" cy="749968"/>
+            <a:off x="6095998" y="5913966"/>
+            <a:ext cx="1" cy="281963"/>
           </a:xfrm>
           <a:prstGeom prst="straightConnector1">
             <a:avLst/>
           </a:prstGeom>
           <a:ln>
+            <a:solidFill>
+              <a:schemeClr val="tx1"/>
+            </a:solidFill>
             <a:tailEnd type="triangle"/>
           </a:ln>
         </p:spPr>
@@ -4457,3296 +4622,32 @@
       </p:cxnSp>
       <p:cxnSp>
         <p:nvCxnSpPr>
-          <p:cNvPr id="25" name="直線矢印コネクタ 24">
-            <a:extLst>
-              <a:ext uri="{FF2B5EF4-FFF2-40B4-BE49-F238E27FC236}">
-                <a16:creationId xmlns:a16="http://schemas.microsoft.com/office/drawing/2014/main" id="{C4677DBC-1412-5BF4-9240-A570522A5D6E}"/>
+          <p:cNvPr id="68" name="直線矢印コネクタ 67">
+            <a:extLst>
+              <a:ext uri="{FF2B5EF4-FFF2-40B4-BE49-F238E27FC236}">
+                <a16:creationId xmlns:a16="http://schemas.microsoft.com/office/drawing/2014/main" id="{7D45A194-AEA9-3D6C-AB31-612A7320FB6D}"/>
               </a:ext>
             </a:extLst>
           </p:cNvPr>
           <p:cNvCxnSpPr>
             <a:cxnSpLocks/>
-            <a:stCxn id="8" idx="0"/>
-            <a:endCxn id="9" idx="1"/>
+            <a:stCxn id="6" idx="3"/>
+            <a:endCxn id="16" idx="1"/>
           </p:cNvCxnSpPr>
           <p:nvPr/>
         </p:nvCxnSpPr>
         <p:spPr>
-          <a:xfrm flipV="1">
-            <a:off x="4874795" y="1628274"/>
-            <a:ext cx="1381626" cy="1239252"/>
+          <a:xfrm>
+            <a:off x="6921498" y="3494616"/>
+            <a:ext cx="877772" cy="0"/>
           </a:xfrm>
           <a:prstGeom prst="straightConnector1">
             <a:avLst/>
           </a:prstGeom>
           <a:ln>
-            <a:tailEnd type="triangle"/>
-          </a:ln>
-        </p:spPr>
-        <p:style>
-          <a:lnRef idx="2">
-            <a:schemeClr val="accent1"/>
-          </a:lnRef>
-          <a:fillRef idx="0">
-            <a:schemeClr val="accent1"/>
-          </a:fillRef>
-          <a:effectRef idx="1">
-            <a:schemeClr val="accent1"/>
-          </a:effectRef>
-          <a:fontRef idx="minor">
-            <a:schemeClr val="tx1"/>
-          </a:fontRef>
-        </p:style>
-      </p:cxnSp>
-      <p:sp>
-        <p:nvSpPr>
-          <p:cNvPr id="28" name="テキスト ボックス 27">
-            <a:extLst>
-              <a:ext uri="{FF2B5EF4-FFF2-40B4-BE49-F238E27FC236}">
-                <a16:creationId xmlns:a16="http://schemas.microsoft.com/office/drawing/2014/main" id="{3EFA3A8B-415E-814E-46A9-EEDE83346598}"/>
-              </a:ext>
-            </a:extLst>
-          </p:cNvPr>
-          <p:cNvSpPr txBox="1"/>
-          <p:nvPr/>
-        </p:nvSpPr>
-        <p:spPr>
-          <a:xfrm>
-            <a:off x="5677416" y="1171074"/>
-            <a:ext cx="579005" cy="369332"/>
-          </a:xfrm>
-          <a:prstGeom prst="rect">
-            <a:avLst/>
-          </a:prstGeom>
-          <a:noFill/>
-        </p:spPr>
-        <p:txBody>
-          <a:bodyPr wrap="none" rtlCol="0">
-            <a:spAutoFit/>
-          </a:bodyPr>
-          <a:lstStyle/>
-          <a:p>
-            <a:r>
-              <a:rPr kumimoji="1" lang="en-US" altLang="ja-JP" dirty="0"/>
-              <a:t>Yes</a:t>
-            </a:r>
-          </a:p>
-        </p:txBody>
-      </p:sp>
-      <p:sp>
-        <p:nvSpPr>
-          <p:cNvPr id="29" name="テキスト ボックス 28">
-            <a:extLst>
-              <a:ext uri="{FF2B5EF4-FFF2-40B4-BE49-F238E27FC236}">
-                <a16:creationId xmlns:a16="http://schemas.microsoft.com/office/drawing/2014/main" id="{F2BA0F3E-10D6-46C1-D679-4F94DA8C1287}"/>
-              </a:ext>
-            </a:extLst>
-          </p:cNvPr>
-          <p:cNvSpPr txBox="1"/>
-          <p:nvPr/>
-        </p:nvSpPr>
-        <p:spPr>
-          <a:xfrm>
-            <a:off x="4295789" y="2247900"/>
-            <a:ext cx="487634" cy="369332"/>
-          </a:xfrm>
-          <a:prstGeom prst="rect">
-            <a:avLst/>
-          </a:prstGeom>
-          <a:noFill/>
-        </p:spPr>
-        <p:txBody>
-          <a:bodyPr wrap="none" rtlCol="0">
-            <a:spAutoFit/>
-          </a:bodyPr>
-          <a:lstStyle/>
-          <a:p>
-            <a:r>
-              <a:rPr lang="en-US" altLang="ja-JP" dirty="0"/>
-              <a:t>No</a:t>
-            </a:r>
-            <a:endParaRPr kumimoji="1" lang="en-US" altLang="ja-JP" dirty="0"/>
-          </a:p>
-        </p:txBody>
-      </p:sp>
-      <p:cxnSp>
-        <p:nvCxnSpPr>
-          <p:cNvPr id="32" name="コネクタ: 曲線 31">
-            <a:extLst>
-              <a:ext uri="{FF2B5EF4-FFF2-40B4-BE49-F238E27FC236}">
-                <a16:creationId xmlns:a16="http://schemas.microsoft.com/office/drawing/2014/main" id="{B234EFAD-71D2-D1F9-F81A-72F23830957D}"/>
-              </a:ext>
-            </a:extLst>
-          </p:cNvPr>
-          <p:cNvCxnSpPr>
-            <a:cxnSpLocks/>
-            <a:stCxn id="10" idx="2"/>
-            <a:endCxn id="11" idx="0"/>
-          </p:cNvCxnSpPr>
-          <p:nvPr/>
-        </p:nvCxnSpPr>
-        <p:spPr>
-          <a:xfrm rot="5400000">
-            <a:off x="7255043" y="1578142"/>
-            <a:ext cx="782052" cy="1443790"/>
-          </a:xfrm>
-          <a:prstGeom prst="curvedConnector3">
-            <a:avLst/>
-          </a:prstGeom>
-          <a:ln>
-            <a:tailEnd type="triangle"/>
-          </a:ln>
-        </p:spPr>
-        <p:style>
-          <a:lnRef idx="2">
-            <a:schemeClr val="accent1"/>
-          </a:lnRef>
-          <a:fillRef idx="0">
-            <a:schemeClr val="accent1"/>
-          </a:fillRef>
-          <a:effectRef idx="1">
-            <a:schemeClr val="accent1"/>
-          </a:effectRef>
-          <a:fontRef idx="minor">
-            <a:schemeClr val="tx1"/>
-          </a:fontRef>
-        </p:style>
-      </p:cxnSp>
-      <p:cxnSp>
-        <p:nvCxnSpPr>
-          <p:cNvPr id="35" name="コネクタ: 曲線 34">
-            <a:extLst>
-              <a:ext uri="{FF2B5EF4-FFF2-40B4-BE49-F238E27FC236}">
-                <a16:creationId xmlns:a16="http://schemas.microsoft.com/office/drawing/2014/main" id="{32E340A2-3B87-F2B9-B3A9-2312856C93E4}"/>
-              </a:ext>
-            </a:extLst>
-          </p:cNvPr>
-          <p:cNvCxnSpPr>
-            <a:cxnSpLocks/>
-            <a:stCxn id="10" idx="2"/>
-            <a:endCxn id="13" idx="0"/>
-          </p:cNvCxnSpPr>
-          <p:nvPr/>
-        </p:nvCxnSpPr>
-        <p:spPr>
-          <a:xfrm rot="16200000" flipH="1">
-            <a:off x="8427119" y="1849856"/>
-            <a:ext cx="782052" cy="900362"/>
-          </a:xfrm>
-          <a:prstGeom prst="curvedConnector3">
-            <a:avLst>
-              <a:gd name="adj1" fmla="val 50000"/>
-            </a:avLst>
-          </a:prstGeom>
-          <a:ln>
-            <a:tailEnd type="triangle"/>
-          </a:ln>
-        </p:spPr>
-        <p:style>
-          <a:lnRef idx="2">
-            <a:schemeClr val="accent1"/>
-          </a:lnRef>
-          <a:fillRef idx="0">
-            <a:schemeClr val="accent1"/>
-          </a:fillRef>
-          <a:effectRef idx="1">
-            <a:schemeClr val="accent1"/>
-          </a:effectRef>
-          <a:fontRef idx="minor">
-            <a:schemeClr val="tx1"/>
-          </a:fontRef>
-        </p:style>
-      </p:cxnSp>
-      <p:cxnSp>
-        <p:nvCxnSpPr>
-          <p:cNvPr id="38" name="コネクタ: 曲線 37">
-            <a:extLst>
-              <a:ext uri="{FF2B5EF4-FFF2-40B4-BE49-F238E27FC236}">
-                <a16:creationId xmlns:a16="http://schemas.microsoft.com/office/drawing/2014/main" id="{41C79BBA-847F-317E-CCF8-E9123A17454D}"/>
-              </a:ext>
-            </a:extLst>
-          </p:cNvPr>
-          <p:cNvCxnSpPr>
-            <a:cxnSpLocks/>
-            <a:stCxn id="12" idx="2"/>
-            <a:endCxn id="11" idx="0"/>
-          </p:cNvCxnSpPr>
-          <p:nvPr/>
-        </p:nvCxnSpPr>
-        <p:spPr>
-          <a:xfrm rot="5400000">
-            <a:off x="8039101" y="794084"/>
-            <a:ext cx="782052" cy="3011906"/>
-          </a:xfrm>
-          <a:prstGeom prst="curvedConnector3">
-            <a:avLst>
-              <a:gd name="adj1" fmla="val 50000"/>
-            </a:avLst>
-          </a:prstGeom>
-          <a:ln>
-            <a:tailEnd type="triangle"/>
-          </a:ln>
-        </p:spPr>
-        <p:style>
-          <a:lnRef idx="2">
-            <a:schemeClr val="accent1"/>
-          </a:lnRef>
-          <a:fillRef idx="0">
-            <a:schemeClr val="accent1"/>
-          </a:fillRef>
-          <a:effectRef idx="1">
-            <a:schemeClr val="accent1"/>
-          </a:effectRef>
-          <a:fontRef idx="minor">
-            <a:schemeClr val="tx1"/>
-          </a:fontRef>
-        </p:style>
-      </p:cxnSp>
-      <p:cxnSp>
-        <p:nvCxnSpPr>
-          <p:cNvPr id="41" name="コネクタ: 曲線 40">
-            <a:extLst>
-              <a:ext uri="{FF2B5EF4-FFF2-40B4-BE49-F238E27FC236}">
-                <a16:creationId xmlns:a16="http://schemas.microsoft.com/office/drawing/2014/main" id="{86C06B2F-F496-A74B-3A9A-294A93CFA27F}"/>
-              </a:ext>
-            </a:extLst>
-          </p:cNvPr>
-          <p:cNvCxnSpPr>
-            <a:cxnSpLocks/>
-            <a:stCxn id="12" idx="2"/>
-            <a:endCxn id="13" idx="0"/>
-          </p:cNvCxnSpPr>
-          <p:nvPr/>
-        </p:nvCxnSpPr>
-        <p:spPr>
-          <a:xfrm rot="5400000">
-            <a:off x="9211177" y="1966160"/>
-            <a:ext cx="782052" cy="667754"/>
-          </a:xfrm>
-          <a:prstGeom prst="curvedConnector3">
-            <a:avLst>
-              <a:gd name="adj1" fmla="val 50000"/>
-            </a:avLst>
-          </a:prstGeom>
-          <a:ln>
-            <a:tailEnd type="triangle"/>
-          </a:ln>
-        </p:spPr>
-        <p:style>
-          <a:lnRef idx="2">
-            <a:schemeClr val="accent1"/>
-          </a:lnRef>
-          <a:fillRef idx="0">
-            <a:schemeClr val="accent1"/>
-          </a:fillRef>
-          <a:effectRef idx="1">
-            <a:schemeClr val="accent1"/>
-          </a:effectRef>
-          <a:fontRef idx="minor">
-            <a:schemeClr val="tx1"/>
-          </a:fontRef>
-        </p:style>
-      </p:cxnSp>
-      <p:sp>
-        <p:nvSpPr>
-          <p:cNvPr id="44" name="四角形: 角を丸くする 43">
-            <a:extLst>
-              <a:ext uri="{FF2B5EF4-FFF2-40B4-BE49-F238E27FC236}">
-                <a16:creationId xmlns:a16="http://schemas.microsoft.com/office/drawing/2014/main" id="{36886F94-9295-48E8-DD26-34300DD06371}"/>
-              </a:ext>
-            </a:extLst>
-          </p:cNvPr>
-          <p:cNvSpPr/>
-          <p:nvPr/>
-        </p:nvSpPr>
-        <p:spPr>
-          <a:xfrm>
-            <a:off x="6255418" y="4387515"/>
-            <a:ext cx="1086853" cy="561474"/>
-          </a:xfrm>
-          <a:prstGeom prst="roundRect">
-            <a:avLst/>
-          </a:prstGeom>
-        </p:spPr>
-        <p:style>
-          <a:lnRef idx="2">
-            <a:schemeClr val="accent4"/>
-          </a:lnRef>
-          <a:fillRef idx="1">
-            <a:schemeClr val="lt1"/>
-          </a:fillRef>
-          <a:effectRef idx="0">
-            <a:schemeClr val="accent4"/>
-          </a:effectRef>
-          <a:fontRef idx="minor">
-            <a:schemeClr val="dk1"/>
-          </a:fontRef>
-        </p:style>
-        <p:txBody>
-          <a:bodyPr rtlCol="0" anchor="ctr"/>
-          <a:lstStyle/>
-          <a:p>
-            <a:pPr algn="ctr"/>
-            <a:r>
-              <a:rPr lang="ja-JP" altLang="en-US" dirty="0"/>
-              <a:t>カートに追加</a:t>
-            </a:r>
-            <a:endParaRPr lang="en-US" altLang="ja-JP" dirty="0"/>
-          </a:p>
-        </p:txBody>
-      </p:sp>
-      <p:cxnSp>
-        <p:nvCxnSpPr>
-          <p:cNvPr id="45" name="直線矢印コネクタ 44">
-            <a:extLst>
-              <a:ext uri="{FF2B5EF4-FFF2-40B4-BE49-F238E27FC236}">
-                <a16:creationId xmlns:a16="http://schemas.microsoft.com/office/drawing/2014/main" id="{850CA58A-C39D-A2D5-C8F1-F1ACB4376AF4}"/>
-              </a:ext>
-            </a:extLst>
-          </p:cNvPr>
-          <p:cNvCxnSpPr>
-            <a:cxnSpLocks/>
-          </p:cNvCxnSpPr>
-          <p:nvPr/>
-        </p:nvCxnSpPr>
-        <p:spPr>
-          <a:xfrm>
-            <a:off x="6924174" y="3605463"/>
-            <a:ext cx="1" cy="749968"/>
-          </a:xfrm>
-          <a:prstGeom prst="straightConnector1">
-            <a:avLst/>
-          </a:prstGeom>
-          <a:ln>
-            <a:tailEnd type="triangle"/>
-          </a:ln>
-        </p:spPr>
-        <p:style>
-          <a:lnRef idx="2">
-            <a:schemeClr val="accent1"/>
-          </a:lnRef>
-          <a:fillRef idx="0">
-            <a:schemeClr val="accent1"/>
-          </a:fillRef>
-          <a:effectRef idx="1">
-            <a:schemeClr val="accent1"/>
-          </a:effectRef>
-          <a:fontRef idx="minor">
-            <a:schemeClr val="tx1"/>
-          </a:fontRef>
-        </p:style>
-      </p:cxnSp>
-      <p:cxnSp>
-        <p:nvCxnSpPr>
-          <p:cNvPr id="46" name="コネクタ: 曲線 45">
-            <a:extLst>
-              <a:ext uri="{FF2B5EF4-FFF2-40B4-BE49-F238E27FC236}">
-                <a16:creationId xmlns:a16="http://schemas.microsoft.com/office/drawing/2014/main" id="{6E9A181A-EFE8-EDD6-969F-986E05EFD0D6}"/>
-              </a:ext>
-            </a:extLst>
-          </p:cNvPr>
-          <p:cNvCxnSpPr>
-            <a:cxnSpLocks/>
-            <a:stCxn id="44" idx="3"/>
-            <a:endCxn id="13" idx="1"/>
-          </p:cNvCxnSpPr>
-          <p:nvPr/>
-        </p:nvCxnSpPr>
-        <p:spPr>
-          <a:xfrm flipV="1">
-            <a:off x="7342271" y="3148263"/>
-            <a:ext cx="1025692" cy="1519989"/>
-          </a:xfrm>
-          <a:prstGeom prst="curvedConnector3">
-            <a:avLst>
-              <a:gd name="adj1" fmla="val 50000"/>
-            </a:avLst>
-          </a:prstGeom>
-          <a:ln>
-            <a:tailEnd type="triangle"/>
-          </a:ln>
-        </p:spPr>
-        <p:style>
-          <a:lnRef idx="2">
-            <a:schemeClr val="accent1"/>
-          </a:lnRef>
-          <a:fillRef idx="0">
-            <a:schemeClr val="accent1"/>
-          </a:fillRef>
-          <a:effectRef idx="1">
-            <a:schemeClr val="accent1"/>
-          </a:effectRef>
-          <a:fontRef idx="minor">
-            <a:schemeClr val="tx1"/>
-          </a:fontRef>
-        </p:style>
-      </p:cxnSp>
-      <p:sp>
-        <p:nvSpPr>
-          <p:cNvPr id="50" name="テキスト ボックス 49">
-            <a:extLst>
-              <a:ext uri="{FF2B5EF4-FFF2-40B4-BE49-F238E27FC236}">
-                <a16:creationId xmlns:a16="http://schemas.microsoft.com/office/drawing/2014/main" id="{57184E3A-290A-E206-1502-A2D2F4EE4E62}"/>
-              </a:ext>
-            </a:extLst>
-          </p:cNvPr>
-          <p:cNvSpPr txBox="1"/>
-          <p:nvPr/>
-        </p:nvSpPr>
-        <p:spPr>
-          <a:xfrm>
-            <a:off x="8590319" y="3723591"/>
-            <a:ext cx="579005" cy="369332"/>
-          </a:xfrm>
-          <a:prstGeom prst="rect">
-            <a:avLst/>
-          </a:prstGeom>
-          <a:noFill/>
-        </p:spPr>
-        <p:txBody>
-          <a:bodyPr wrap="none" rtlCol="0">
-            <a:spAutoFit/>
-          </a:bodyPr>
-          <a:lstStyle/>
-          <a:p>
-            <a:r>
-              <a:rPr kumimoji="1" lang="en-US" altLang="ja-JP" dirty="0"/>
-              <a:t>Yes</a:t>
-            </a:r>
-          </a:p>
-        </p:txBody>
-      </p:sp>
-      <p:cxnSp>
-        <p:nvCxnSpPr>
-          <p:cNvPr id="51" name="直線矢印コネクタ 50">
-            <a:extLst>
-              <a:ext uri="{FF2B5EF4-FFF2-40B4-BE49-F238E27FC236}">
-                <a16:creationId xmlns:a16="http://schemas.microsoft.com/office/drawing/2014/main" id="{7F267435-DDD4-E141-D56B-23D75D2B5FC8}"/>
-              </a:ext>
-            </a:extLst>
-          </p:cNvPr>
-          <p:cNvCxnSpPr>
-            <a:cxnSpLocks/>
-          </p:cNvCxnSpPr>
-          <p:nvPr/>
-        </p:nvCxnSpPr>
-        <p:spPr>
-          <a:xfrm>
-            <a:off x="9286238" y="3605463"/>
-            <a:ext cx="1" cy="749968"/>
-          </a:xfrm>
-          <a:prstGeom prst="straightConnector1">
-            <a:avLst/>
-          </a:prstGeom>
-          <a:ln>
-            <a:tailEnd type="triangle"/>
-          </a:ln>
-        </p:spPr>
-        <p:style>
-          <a:lnRef idx="2">
-            <a:schemeClr val="accent1"/>
-          </a:lnRef>
-          <a:fillRef idx="0">
-            <a:schemeClr val="accent1"/>
-          </a:fillRef>
-          <a:effectRef idx="1">
-            <a:schemeClr val="accent1"/>
-          </a:effectRef>
-          <a:fontRef idx="minor">
-            <a:schemeClr val="tx1"/>
-          </a:fontRef>
-        </p:style>
-      </p:cxnSp>
-      <p:sp>
-        <p:nvSpPr>
-          <p:cNvPr id="52" name="四角形: 角を丸くする 51">
-            <a:extLst>
-              <a:ext uri="{FF2B5EF4-FFF2-40B4-BE49-F238E27FC236}">
-                <a16:creationId xmlns:a16="http://schemas.microsoft.com/office/drawing/2014/main" id="{222E10DD-C2E7-F93C-E79A-2DE4ED6D1C09}"/>
-              </a:ext>
-            </a:extLst>
-          </p:cNvPr>
-          <p:cNvSpPr/>
-          <p:nvPr/>
-        </p:nvSpPr>
-        <p:spPr>
-          <a:xfrm>
-            <a:off x="6255418" y="5666873"/>
-            <a:ext cx="1086853" cy="561474"/>
-          </a:xfrm>
-          <a:prstGeom prst="roundRect">
-            <a:avLst/>
-          </a:prstGeom>
-        </p:spPr>
-        <p:style>
-          <a:lnRef idx="2">
-            <a:schemeClr val="accent4"/>
-          </a:lnRef>
-          <a:fillRef idx="1">
-            <a:schemeClr val="lt1"/>
-          </a:fillRef>
-          <a:effectRef idx="0">
-            <a:schemeClr val="accent4"/>
-          </a:effectRef>
-          <a:fontRef idx="minor">
-            <a:schemeClr val="dk1"/>
-          </a:fontRef>
-        </p:style>
-        <p:txBody>
-          <a:bodyPr rtlCol="0" anchor="ctr"/>
-          <a:lstStyle/>
-          <a:p>
-            <a:pPr algn="ctr"/>
-            <a:r>
-              <a:rPr lang="ja-JP" altLang="en-US" dirty="0"/>
-              <a:t>最終確認画面の表示</a:t>
-            </a:r>
-            <a:endParaRPr lang="en-US" altLang="ja-JP" dirty="0"/>
-          </a:p>
-        </p:txBody>
-      </p:sp>
-      <p:sp>
-        <p:nvSpPr>
-          <p:cNvPr id="53" name="ひし形 52">
-            <a:extLst>
-              <a:ext uri="{FF2B5EF4-FFF2-40B4-BE49-F238E27FC236}">
-                <a16:creationId xmlns:a16="http://schemas.microsoft.com/office/drawing/2014/main" id="{63AFAF43-9376-5F02-C3E1-A81B60C2A25E}"/>
-              </a:ext>
-            </a:extLst>
-          </p:cNvPr>
-          <p:cNvSpPr/>
-          <p:nvPr/>
-        </p:nvSpPr>
-        <p:spPr>
-          <a:xfrm>
-            <a:off x="3876690" y="5490410"/>
-            <a:ext cx="1800726" cy="914400"/>
-          </a:xfrm>
-          <a:prstGeom prst="diamond">
-            <a:avLst/>
-          </a:prstGeom>
-        </p:spPr>
-        <p:style>
-          <a:lnRef idx="2">
-            <a:schemeClr val="accent2"/>
-          </a:lnRef>
-          <a:fillRef idx="1">
-            <a:schemeClr val="lt1"/>
-          </a:fillRef>
-          <a:effectRef idx="0">
-            <a:schemeClr val="accent2"/>
-          </a:effectRef>
-          <a:fontRef idx="minor">
-            <a:schemeClr val="dk1"/>
-          </a:fontRef>
-        </p:style>
-        <p:txBody>
-          <a:bodyPr rtlCol="0" anchor="ctr"/>
-          <a:lstStyle/>
-          <a:p>
-            <a:pPr algn="ctr"/>
-            <a:r>
-              <a:rPr lang="ja-JP" altLang="en-US" dirty="0"/>
-              <a:t>間違いない？</a:t>
-            </a:r>
-            <a:endParaRPr lang="en-US" altLang="ja-JP" dirty="0"/>
-          </a:p>
-        </p:txBody>
-      </p:sp>
-      <p:cxnSp>
-        <p:nvCxnSpPr>
-          <p:cNvPr id="55" name="直線矢印コネクタ 54">
-            <a:extLst>
-              <a:ext uri="{FF2B5EF4-FFF2-40B4-BE49-F238E27FC236}">
-                <a16:creationId xmlns:a16="http://schemas.microsoft.com/office/drawing/2014/main" id="{2618E324-787D-556F-6BEE-36F9276AA4F1}"/>
-              </a:ext>
-            </a:extLst>
-          </p:cNvPr>
-          <p:cNvCxnSpPr>
-            <a:cxnSpLocks/>
-            <a:stCxn id="59" idx="1"/>
-            <a:endCxn id="52" idx="3"/>
-          </p:cNvCxnSpPr>
-          <p:nvPr/>
-        </p:nvCxnSpPr>
-        <p:spPr>
-          <a:xfrm flipH="1">
-            <a:off x="7342271" y="5947610"/>
-            <a:ext cx="1382628" cy="0"/>
-          </a:xfrm>
-          <a:prstGeom prst="straightConnector1">
-            <a:avLst/>
-          </a:prstGeom>
-          <a:ln>
-            <a:tailEnd type="triangle"/>
-          </a:ln>
-        </p:spPr>
-        <p:style>
-          <a:lnRef idx="2">
-            <a:schemeClr val="accent1"/>
-          </a:lnRef>
-          <a:fillRef idx="0">
-            <a:schemeClr val="accent1"/>
-          </a:fillRef>
-          <a:effectRef idx="1">
-            <a:schemeClr val="accent1"/>
-          </a:effectRef>
-          <a:fontRef idx="minor">
-            <a:schemeClr val="tx1"/>
-          </a:fontRef>
-        </p:style>
-      </p:cxnSp>
-      <p:sp>
-        <p:nvSpPr>
-          <p:cNvPr id="58" name="四角形: 角を丸くする 57">
-            <a:extLst>
-              <a:ext uri="{FF2B5EF4-FFF2-40B4-BE49-F238E27FC236}">
-                <a16:creationId xmlns:a16="http://schemas.microsoft.com/office/drawing/2014/main" id="{48732ECA-F852-3067-E2B0-A4A43E63CE3B}"/>
-              </a:ext>
-            </a:extLst>
-          </p:cNvPr>
-          <p:cNvSpPr/>
-          <p:nvPr/>
-        </p:nvSpPr>
-        <p:spPr>
-          <a:xfrm>
-            <a:off x="8745820" y="4355431"/>
-            <a:ext cx="1086853" cy="561474"/>
-          </a:xfrm>
-          <a:prstGeom prst="roundRect">
-            <a:avLst/>
-          </a:prstGeom>
-        </p:spPr>
-        <p:style>
-          <a:lnRef idx="2">
-            <a:schemeClr val="accent4"/>
-          </a:lnRef>
-          <a:fillRef idx="1">
-            <a:schemeClr val="lt1"/>
-          </a:fillRef>
-          <a:effectRef idx="0">
-            <a:schemeClr val="accent4"/>
-          </a:effectRef>
-          <a:fontRef idx="minor">
-            <a:schemeClr val="dk1"/>
-          </a:fontRef>
-        </p:style>
-        <p:txBody>
-          <a:bodyPr rtlCol="0" anchor="ctr"/>
-          <a:lstStyle/>
-          <a:p>
-            <a:pPr algn="ctr"/>
-            <a:r>
-              <a:rPr lang="ja-JP" altLang="en-US" dirty="0"/>
-              <a:t>購入画面に遷移</a:t>
-            </a:r>
-            <a:endParaRPr kumimoji="1" lang="ja-JP" altLang="en-US" dirty="0"/>
-          </a:p>
-        </p:txBody>
-      </p:sp>
-      <p:sp>
-        <p:nvSpPr>
-          <p:cNvPr id="59" name="四角形: 角を丸くする 58">
-            <a:extLst>
-              <a:ext uri="{FF2B5EF4-FFF2-40B4-BE49-F238E27FC236}">
-                <a16:creationId xmlns:a16="http://schemas.microsoft.com/office/drawing/2014/main" id="{4DD0623F-A5B0-7ED8-FE81-CAC475823988}"/>
-              </a:ext>
-            </a:extLst>
-          </p:cNvPr>
-          <p:cNvSpPr/>
-          <p:nvPr/>
-        </p:nvSpPr>
-        <p:spPr>
-          <a:xfrm>
-            <a:off x="8724899" y="5666873"/>
-            <a:ext cx="1086853" cy="561474"/>
-          </a:xfrm>
-          <a:prstGeom prst="roundRect">
-            <a:avLst/>
-          </a:prstGeom>
-        </p:spPr>
-        <p:style>
-          <a:lnRef idx="2">
-            <a:schemeClr val="accent4"/>
-          </a:lnRef>
-          <a:fillRef idx="1">
-            <a:schemeClr val="lt1"/>
-          </a:fillRef>
-          <a:effectRef idx="0">
-            <a:schemeClr val="accent4"/>
-          </a:effectRef>
-          <a:fontRef idx="minor">
-            <a:schemeClr val="dk1"/>
-          </a:fontRef>
-        </p:style>
-        <p:txBody>
-          <a:bodyPr rtlCol="0" anchor="ctr"/>
-          <a:lstStyle/>
-          <a:p>
-            <a:pPr algn="ctr"/>
-            <a:r>
-              <a:rPr lang="ja-JP" altLang="en-US" dirty="0"/>
-              <a:t>配送先支払方法選択</a:t>
-            </a:r>
-            <a:endParaRPr lang="en-US" altLang="ja-JP" dirty="0"/>
-          </a:p>
-        </p:txBody>
-      </p:sp>
-      <p:cxnSp>
-        <p:nvCxnSpPr>
-          <p:cNvPr id="62" name="直線矢印コネクタ 61">
-            <a:extLst>
-              <a:ext uri="{FF2B5EF4-FFF2-40B4-BE49-F238E27FC236}">
-                <a16:creationId xmlns:a16="http://schemas.microsoft.com/office/drawing/2014/main" id="{ED0A0F4F-C242-030A-E3A8-47C74343554D}"/>
-              </a:ext>
-            </a:extLst>
-          </p:cNvPr>
-          <p:cNvCxnSpPr>
-            <a:cxnSpLocks/>
-            <a:stCxn id="58" idx="2"/>
-            <a:endCxn id="59" idx="0"/>
-          </p:cNvCxnSpPr>
-          <p:nvPr/>
-        </p:nvCxnSpPr>
-        <p:spPr>
-          <a:xfrm flipH="1">
-            <a:off x="9268326" y="4916905"/>
-            <a:ext cx="20921" cy="749968"/>
-          </a:xfrm>
-          <a:prstGeom prst="straightConnector1">
-            <a:avLst/>
-          </a:prstGeom>
-          <a:ln>
-            <a:tailEnd type="triangle"/>
-          </a:ln>
-        </p:spPr>
-        <p:style>
-          <a:lnRef idx="2">
-            <a:schemeClr val="accent1"/>
-          </a:lnRef>
-          <a:fillRef idx="0">
-            <a:schemeClr val="accent1"/>
-          </a:fillRef>
-          <a:effectRef idx="1">
-            <a:schemeClr val="accent1"/>
-          </a:effectRef>
-          <a:fontRef idx="minor">
-            <a:schemeClr val="tx1"/>
-          </a:fontRef>
-        </p:style>
-      </p:cxnSp>
-      <p:cxnSp>
-        <p:nvCxnSpPr>
-          <p:cNvPr id="66" name="直線矢印コネクタ 65">
-            <a:extLst>
-              <a:ext uri="{FF2B5EF4-FFF2-40B4-BE49-F238E27FC236}">
-                <a16:creationId xmlns:a16="http://schemas.microsoft.com/office/drawing/2014/main" id="{F43310CA-D01E-C445-E3EC-3F0C16677A55}"/>
-              </a:ext>
-            </a:extLst>
-          </p:cNvPr>
-          <p:cNvCxnSpPr>
-            <a:cxnSpLocks/>
-            <a:stCxn id="52" idx="1"/>
-            <a:endCxn id="53" idx="3"/>
-          </p:cNvCxnSpPr>
-          <p:nvPr/>
-        </p:nvCxnSpPr>
-        <p:spPr>
-          <a:xfrm flipH="1">
-            <a:off x="5677416" y="5947610"/>
-            <a:ext cx="578002" cy="0"/>
-          </a:xfrm>
-          <a:prstGeom prst="straightConnector1">
-            <a:avLst/>
-          </a:prstGeom>
-          <a:ln>
-            <a:tailEnd type="triangle"/>
-          </a:ln>
-        </p:spPr>
-        <p:style>
-          <a:lnRef idx="2">
-            <a:schemeClr val="accent1"/>
-          </a:lnRef>
-          <a:fillRef idx="0">
-            <a:schemeClr val="accent1"/>
-          </a:fillRef>
-          <a:effectRef idx="1">
-            <a:schemeClr val="accent1"/>
-          </a:effectRef>
-          <a:fontRef idx="minor">
-            <a:schemeClr val="tx1"/>
-          </a:fontRef>
-        </p:style>
-      </p:cxnSp>
-      <p:sp>
-        <p:nvSpPr>
-          <p:cNvPr id="70" name="四角形: 角を丸くする 69">
-            <a:extLst>
-              <a:ext uri="{FF2B5EF4-FFF2-40B4-BE49-F238E27FC236}">
-                <a16:creationId xmlns:a16="http://schemas.microsoft.com/office/drawing/2014/main" id="{5F023F36-8AC0-4F2D-7258-0616E8808909}"/>
-              </a:ext>
-            </a:extLst>
-          </p:cNvPr>
-          <p:cNvSpPr/>
-          <p:nvPr/>
-        </p:nvSpPr>
-        <p:spPr>
-          <a:xfrm>
-            <a:off x="4233626" y="4367462"/>
-            <a:ext cx="1086853" cy="561474"/>
-          </a:xfrm>
-          <a:prstGeom prst="roundRect">
-            <a:avLst/>
-          </a:prstGeom>
-        </p:spPr>
-        <p:style>
-          <a:lnRef idx="2">
-            <a:schemeClr val="accent4"/>
-          </a:lnRef>
-          <a:fillRef idx="1">
-            <a:schemeClr val="lt1"/>
-          </a:fillRef>
-          <a:effectRef idx="0">
-            <a:schemeClr val="accent4"/>
-          </a:effectRef>
-          <a:fontRef idx="minor">
-            <a:schemeClr val="dk1"/>
-          </a:fontRef>
-        </p:style>
-        <p:txBody>
-          <a:bodyPr rtlCol="0" anchor="ctr"/>
-          <a:lstStyle/>
-          <a:p>
-            <a:pPr algn="ctr"/>
-            <a:r>
-              <a:rPr lang="ja-JP" altLang="en-US" dirty="0"/>
-              <a:t>決済</a:t>
-            </a:r>
-            <a:endParaRPr lang="en-US" altLang="ja-JP" dirty="0"/>
-          </a:p>
-          <a:p>
-            <a:pPr algn="ctr"/>
-            <a:r>
-              <a:rPr lang="ja-JP" altLang="en-US" dirty="0"/>
-              <a:t>処理</a:t>
-            </a:r>
-            <a:endParaRPr lang="en-US" altLang="ja-JP" dirty="0"/>
-          </a:p>
-        </p:txBody>
-      </p:sp>
-      <p:cxnSp>
-        <p:nvCxnSpPr>
-          <p:cNvPr id="71" name="直線矢印コネクタ 70">
-            <a:extLst>
-              <a:ext uri="{FF2B5EF4-FFF2-40B4-BE49-F238E27FC236}">
-                <a16:creationId xmlns:a16="http://schemas.microsoft.com/office/drawing/2014/main" id="{3ACADFC6-BE47-6348-F6B5-B775F39B26AE}"/>
-              </a:ext>
-            </a:extLst>
-          </p:cNvPr>
-          <p:cNvCxnSpPr>
-            <a:cxnSpLocks/>
-            <a:stCxn id="53" idx="0"/>
-            <a:endCxn id="70" idx="2"/>
-          </p:cNvCxnSpPr>
-          <p:nvPr/>
-        </p:nvCxnSpPr>
-        <p:spPr>
-          <a:xfrm flipV="1">
-            <a:off x="4777053" y="4928936"/>
-            <a:ext cx="0" cy="561474"/>
-          </a:xfrm>
-          <a:prstGeom prst="straightConnector1">
-            <a:avLst/>
-          </a:prstGeom>
-          <a:ln>
-            <a:tailEnd type="triangle"/>
-          </a:ln>
-        </p:spPr>
-        <p:style>
-          <a:lnRef idx="2">
-            <a:schemeClr val="accent1"/>
-          </a:lnRef>
-          <a:fillRef idx="0">
-            <a:schemeClr val="accent1"/>
-          </a:fillRef>
-          <a:effectRef idx="1">
-            <a:schemeClr val="accent1"/>
-          </a:effectRef>
-          <a:fontRef idx="minor">
-            <a:schemeClr val="tx1"/>
-          </a:fontRef>
-        </p:style>
-      </p:cxnSp>
-      <p:sp>
-        <p:nvSpPr>
-          <p:cNvPr id="74" name="テキスト ボックス 73">
-            <a:extLst>
-              <a:ext uri="{FF2B5EF4-FFF2-40B4-BE49-F238E27FC236}">
-                <a16:creationId xmlns:a16="http://schemas.microsoft.com/office/drawing/2014/main" id="{0903B470-25C0-3977-E92B-A9117DB67A4D}"/>
-              </a:ext>
-            </a:extLst>
-          </p:cNvPr>
-          <p:cNvSpPr txBox="1"/>
-          <p:nvPr/>
-        </p:nvSpPr>
-        <p:spPr>
-          <a:xfrm>
-            <a:off x="4874794" y="5045060"/>
-            <a:ext cx="579005" cy="369332"/>
-          </a:xfrm>
-          <a:prstGeom prst="rect">
-            <a:avLst/>
-          </a:prstGeom>
-          <a:noFill/>
-        </p:spPr>
-        <p:txBody>
-          <a:bodyPr wrap="none" rtlCol="0">
-            <a:spAutoFit/>
-          </a:bodyPr>
-          <a:lstStyle/>
-          <a:p>
-            <a:r>
-              <a:rPr kumimoji="1" lang="en-US" altLang="ja-JP" dirty="0"/>
-              <a:t>Yes</a:t>
-            </a:r>
-          </a:p>
-        </p:txBody>
-      </p:sp>
-      <p:sp>
-        <p:nvSpPr>
-          <p:cNvPr id="75" name="楕円 74">
-            <a:extLst>
-              <a:ext uri="{FF2B5EF4-FFF2-40B4-BE49-F238E27FC236}">
-                <a16:creationId xmlns:a16="http://schemas.microsoft.com/office/drawing/2014/main" id="{86941029-AC94-D166-BE5C-2344255E9BF4}"/>
-              </a:ext>
-            </a:extLst>
-          </p:cNvPr>
-          <p:cNvSpPr/>
-          <p:nvPr/>
-        </p:nvSpPr>
-        <p:spPr>
-          <a:xfrm>
-            <a:off x="339147" y="5650831"/>
-            <a:ext cx="1086853" cy="561474"/>
-          </a:xfrm>
-          <a:prstGeom prst="ellipse">
-            <a:avLst/>
-          </a:prstGeom>
-        </p:spPr>
-        <p:style>
-          <a:lnRef idx="2">
-            <a:schemeClr val="accent6"/>
-          </a:lnRef>
-          <a:fillRef idx="1">
-            <a:schemeClr val="lt1"/>
-          </a:fillRef>
-          <a:effectRef idx="0">
-            <a:schemeClr val="accent6"/>
-          </a:effectRef>
-          <a:fontRef idx="minor">
-            <a:schemeClr val="dk1"/>
-          </a:fontRef>
-        </p:style>
-        <p:txBody>
-          <a:bodyPr rtlCol="0" anchor="ctr"/>
-          <a:lstStyle/>
-          <a:p>
-            <a:pPr algn="ctr"/>
-            <a:r>
-              <a:rPr lang="ja-JP" altLang="en-US" dirty="0"/>
-              <a:t>終了</a:t>
-            </a:r>
-            <a:endParaRPr kumimoji="1" lang="ja-JP" altLang="en-US" dirty="0"/>
-          </a:p>
-        </p:txBody>
-      </p:sp>
-      <p:sp>
-        <p:nvSpPr>
-          <p:cNvPr id="76" name="テキスト ボックス 75">
-            <a:extLst>
-              <a:ext uri="{FF2B5EF4-FFF2-40B4-BE49-F238E27FC236}">
-                <a16:creationId xmlns:a16="http://schemas.microsoft.com/office/drawing/2014/main" id="{A5896330-FA43-57F6-ACAA-4F392D8137AB}"/>
-              </a:ext>
-            </a:extLst>
-          </p:cNvPr>
-          <p:cNvSpPr txBox="1"/>
-          <p:nvPr/>
-        </p:nvSpPr>
-        <p:spPr>
-          <a:xfrm>
-            <a:off x="10712115" y="2203602"/>
-            <a:ext cx="487634" cy="369332"/>
-          </a:xfrm>
-          <a:prstGeom prst="rect">
-            <a:avLst/>
-          </a:prstGeom>
-          <a:noFill/>
-        </p:spPr>
-        <p:txBody>
-          <a:bodyPr wrap="none" rtlCol="0">
-            <a:spAutoFit/>
-          </a:bodyPr>
-          <a:lstStyle/>
-          <a:p>
-            <a:r>
-              <a:rPr lang="en-US" altLang="ja-JP" dirty="0"/>
-              <a:t>No</a:t>
-            </a:r>
-            <a:endParaRPr kumimoji="1" lang="en-US" altLang="ja-JP" dirty="0"/>
-          </a:p>
-        </p:txBody>
-      </p:sp>
-      <p:cxnSp>
-        <p:nvCxnSpPr>
-          <p:cNvPr id="77" name="コネクタ: 曲線 76">
-            <a:extLst>
-              <a:ext uri="{FF2B5EF4-FFF2-40B4-BE49-F238E27FC236}">
-                <a16:creationId xmlns:a16="http://schemas.microsoft.com/office/drawing/2014/main" id="{D3591C1B-7D0E-E3D0-C1F6-2C5B1F1DCD03}"/>
-              </a:ext>
-            </a:extLst>
-          </p:cNvPr>
-          <p:cNvCxnSpPr>
-            <a:cxnSpLocks/>
-            <a:stCxn id="13" idx="3"/>
-            <a:endCxn id="12" idx="3"/>
-          </p:cNvCxnSpPr>
-          <p:nvPr/>
-        </p:nvCxnSpPr>
-        <p:spPr>
-          <a:xfrm flipV="1">
-            <a:off x="10168689" y="1628274"/>
-            <a:ext cx="310817" cy="1519989"/>
-          </a:xfrm>
-          <a:prstGeom prst="curvedConnector3">
-            <a:avLst>
-              <a:gd name="adj1" fmla="val 173548"/>
-            </a:avLst>
-          </a:prstGeom>
-          <a:ln>
-            <a:tailEnd type="triangle"/>
-          </a:ln>
-        </p:spPr>
-        <p:style>
-          <a:lnRef idx="2">
-            <a:schemeClr val="accent1"/>
-          </a:lnRef>
-          <a:fillRef idx="0">
-            <a:schemeClr val="accent1"/>
-          </a:fillRef>
-          <a:effectRef idx="1">
-            <a:schemeClr val="accent1"/>
-          </a:effectRef>
-          <a:fontRef idx="minor">
-            <a:schemeClr val="tx1"/>
-          </a:fontRef>
-        </p:style>
-      </p:cxnSp>
-      <p:cxnSp>
-        <p:nvCxnSpPr>
-          <p:cNvPr id="80" name="コネクタ: 曲線 79">
-            <a:extLst>
-              <a:ext uri="{FF2B5EF4-FFF2-40B4-BE49-F238E27FC236}">
-                <a16:creationId xmlns:a16="http://schemas.microsoft.com/office/drawing/2014/main" id="{4D92B090-BF9C-E37C-3C5E-5B9D397B7BEB}"/>
-              </a:ext>
-            </a:extLst>
-          </p:cNvPr>
-          <p:cNvCxnSpPr>
-            <a:cxnSpLocks/>
-            <a:stCxn id="13" idx="3"/>
-            <a:endCxn id="10" idx="0"/>
-          </p:cNvCxnSpPr>
-          <p:nvPr/>
-        </p:nvCxnSpPr>
-        <p:spPr>
-          <a:xfrm flipH="1" flipV="1">
-            <a:off x="8367964" y="1347537"/>
-            <a:ext cx="1800725" cy="1800726"/>
-          </a:xfrm>
-          <a:prstGeom prst="curvedConnector4">
-            <a:avLst>
-              <a:gd name="adj1" fmla="val -70602"/>
-              <a:gd name="adj2" fmla="val 160802"/>
-            </a:avLst>
-          </a:prstGeom>
-          <a:ln>
-            <a:tailEnd type="triangle"/>
-          </a:ln>
-        </p:spPr>
-        <p:style>
-          <a:lnRef idx="2">
-            <a:schemeClr val="accent1"/>
-          </a:lnRef>
-          <a:fillRef idx="0">
-            <a:schemeClr val="accent1"/>
-          </a:fillRef>
-          <a:effectRef idx="1">
-            <a:schemeClr val="accent1"/>
-          </a:effectRef>
-          <a:fontRef idx="minor">
-            <a:schemeClr val="tx1"/>
-          </a:fontRef>
-        </p:style>
-      </p:cxnSp>
-      <p:sp>
-        <p:nvSpPr>
-          <p:cNvPr id="89" name="ひし形 88">
-            <a:extLst>
-              <a:ext uri="{FF2B5EF4-FFF2-40B4-BE49-F238E27FC236}">
-                <a16:creationId xmlns:a16="http://schemas.microsoft.com/office/drawing/2014/main" id="{4D587CF2-2D68-C0C0-692F-5DC037A9F1F8}"/>
-              </a:ext>
-            </a:extLst>
-          </p:cNvPr>
-          <p:cNvSpPr/>
-          <p:nvPr/>
-        </p:nvSpPr>
-        <p:spPr>
-          <a:xfrm>
-            <a:off x="1670519" y="4178968"/>
-            <a:ext cx="1800726" cy="914400"/>
-          </a:xfrm>
-          <a:prstGeom prst="diamond">
-            <a:avLst/>
-          </a:prstGeom>
-        </p:spPr>
-        <p:style>
-          <a:lnRef idx="2">
-            <a:schemeClr val="accent2"/>
-          </a:lnRef>
-          <a:fillRef idx="1">
-            <a:schemeClr val="lt1"/>
-          </a:fillRef>
-          <a:effectRef idx="0">
-            <a:schemeClr val="accent2"/>
-          </a:effectRef>
-          <a:fontRef idx="minor">
-            <a:schemeClr val="dk1"/>
-          </a:fontRef>
-        </p:style>
-        <p:txBody>
-          <a:bodyPr rtlCol="0" anchor="ctr"/>
-          <a:lstStyle/>
-          <a:p>
-            <a:pPr algn="ctr"/>
-            <a:r>
-              <a:rPr lang="ja-JP" altLang="en-US" dirty="0"/>
-              <a:t>在庫</a:t>
-            </a:r>
-            <a:endParaRPr lang="en-US" altLang="ja-JP" dirty="0"/>
-          </a:p>
-          <a:p>
-            <a:pPr algn="ctr"/>
-            <a:r>
-              <a:rPr lang="ja-JP" altLang="en-US" dirty="0"/>
-              <a:t>ある？</a:t>
-            </a:r>
-            <a:endParaRPr lang="en-US" altLang="ja-JP" dirty="0"/>
-          </a:p>
-        </p:txBody>
-      </p:sp>
-      <p:cxnSp>
-        <p:nvCxnSpPr>
-          <p:cNvPr id="90" name="直線矢印コネクタ 89">
-            <a:extLst>
-              <a:ext uri="{FF2B5EF4-FFF2-40B4-BE49-F238E27FC236}">
-                <a16:creationId xmlns:a16="http://schemas.microsoft.com/office/drawing/2014/main" id="{28677CB5-DBF6-B002-0A4F-C642A6B2238F}"/>
-              </a:ext>
-            </a:extLst>
-          </p:cNvPr>
-          <p:cNvCxnSpPr>
-            <a:cxnSpLocks/>
-            <a:stCxn id="70" idx="1"/>
-            <a:endCxn id="89" idx="3"/>
-          </p:cNvCxnSpPr>
-          <p:nvPr/>
-        </p:nvCxnSpPr>
-        <p:spPr>
-          <a:xfrm flipH="1" flipV="1">
-            <a:off x="3471245" y="4636168"/>
-            <a:ext cx="762381" cy="12031"/>
-          </a:xfrm>
-          <a:prstGeom prst="straightConnector1">
-            <a:avLst/>
-          </a:prstGeom>
-          <a:ln>
-            <a:tailEnd type="triangle"/>
-          </a:ln>
-        </p:spPr>
-        <p:style>
-          <a:lnRef idx="2">
-            <a:schemeClr val="accent1"/>
-          </a:lnRef>
-          <a:fillRef idx="0">
-            <a:schemeClr val="accent1"/>
-          </a:fillRef>
-          <a:effectRef idx="1">
-            <a:schemeClr val="accent1"/>
-          </a:effectRef>
-          <a:fontRef idx="minor">
-            <a:schemeClr val="tx1"/>
-          </a:fontRef>
-        </p:style>
-      </p:cxnSp>
-      <p:sp>
-        <p:nvSpPr>
-          <p:cNvPr id="93" name="四角形: 角を丸くする 92">
-            <a:extLst>
-              <a:ext uri="{FF2B5EF4-FFF2-40B4-BE49-F238E27FC236}">
-                <a16:creationId xmlns:a16="http://schemas.microsoft.com/office/drawing/2014/main" id="{379B327E-0279-172C-AE31-0FBE95F20B13}"/>
-              </a:ext>
-            </a:extLst>
-          </p:cNvPr>
-          <p:cNvSpPr/>
-          <p:nvPr/>
-        </p:nvSpPr>
-        <p:spPr>
-          <a:xfrm>
-            <a:off x="266970" y="4355431"/>
-            <a:ext cx="1086853" cy="561474"/>
-          </a:xfrm>
-          <a:prstGeom prst="roundRect">
-            <a:avLst/>
-          </a:prstGeom>
-        </p:spPr>
-        <p:style>
-          <a:lnRef idx="2">
-            <a:schemeClr val="accent4"/>
-          </a:lnRef>
-          <a:fillRef idx="1">
-            <a:schemeClr val="lt1"/>
-          </a:fillRef>
-          <a:effectRef idx="0">
-            <a:schemeClr val="accent4"/>
-          </a:effectRef>
-          <a:fontRef idx="minor">
-            <a:schemeClr val="dk1"/>
-          </a:fontRef>
-        </p:style>
-        <p:txBody>
-          <a:bodyPr rtlCol="0" anchor="ctr"/>
-          <a:lstStyle/>
-          <a:p>
-            <a:pPr algn="ctr"/>
-            <a:r>
-              <a:rPr lang="ja-JP" altLang="en-US" dirty="0"/>
-              <a:t>注文</a:t>
-            </a:r>
-            <a:endParaRPr lang="en-US" altLang="ja-JP" dirty="0"/>
-          </a:p>
-          <a:p>
-            <a:pPr algn="ctr"/>
-            <a:r>
-              <a:rPr lang="ja-JP" altLang="en-US" dirty="0"/>
-              <a:t>完了</a:t>
-            </a:r>
-            <a:endParaRPr lang="en-US" altLang="ja-JP" dirty="0"/>
-          </a:p>
-        </p:txBody>
-      </p:sp>
-      <p:sp>
-        <p:nvSpPr>
-          <p:cNvPr id="94" name="四角形: 角を丸くする 93">
-            <a:extLst>
-              <a:ext uri="{FF2B5EF4-FFF2-40B4-BE49-F238E27FC236}">
-                <a16:creationId xmlns:a16="http://schemas.microsoft.com/office/drawing/2014/main" id="{7279930A-690E-7E17-B012-61FB51C00426}"/>
-              </a:ext>
-            </a:extLst>
-          </p:cNvPr>
-          <p:cNvSpPr/>
-          <p:nvPr/>
-        </p:nvSpPr>
-        <p:spPr>
-          <a:xfrm>
-            <a:off x="2027455" y="5650831"/>
-            <a:ext cx="1086853" cy="561474"/>
-          </a:xfrm>
-          <a:prstGeom prst="roundRect">
-            <a:avLst/>
-          </a:prstGeom>
-          <a:ln>
             <a:solidFill>
-              <a:srgbClr val="FF0000"/>
+              <a:schemeClr val="tx1"/>
             </a:solidFill>
-          </a:ln>
-        </p:spPr>
-        <p:style>
-          <a:lnRef idx="2">
-            <a:schemeClr val="accent4"/>
-          </a:lnRef>
-          <a:fillRef idx="1">
-            <a:schemeClr val="lt1"/>
-          </a:fillRef>
-          <a:effectRef idx="0">
-            <a:schemeClr val="accent4"/>
-          </a:effectRef>
-          <a:fontRef idx="minor">
-            <a:schemeClr val="dk1"/>
-          </a:fontRef>
-        </p:style>
-        <p:txBody>
-          <a:bodyPr rtlCol="0" anchor="ctr"/>
-          <a:lstStyle/>
-          <a:p>
-            <a:pPr algn="ctr"/>
-            <a:r>
-              <a:rPr lang="ja-JP" altLang="en-US" dirty="0"/>
-              <a:t>在庫不足通知</a:t>
-            </a:r>
-            <a:endParaRPr lang="en-US" altLang="ja-JP" dirty="0"/>
-          </a:p>
-        </p:txBody>
-      </p:sp>
-      <p:cxnSp>
-        <p:nvCxnSpPr>
-          <p:cNvPr id="100" name="直線矢印コネクタ 99">
-            <a:extLst>
-              <a:ext uri="{FF2B5EF4-FFF2-40B4-BE49-F238E27FC236}">
-                <a16:creationId xmlns:a16="http://schemas.microsoft.com/office/drawing/2014/main" id="{F8349866-5616-DDD1-1A24-62CF2217B64D}"/>
-              </a:ext>
-            </a:extLst>
-          </p:cNvPr>
-          <p:cNvCxnSpPr>
-            <a:cxnSpLocks/>
-            <a:stCxn id="89" idx="1"/>
-            <a:endCxn id="93" idx="3"/>
-          </p:cNvCxnSpPr>
-          <p:nvPr/>
-        </p:nvCxnSpPr>
-        <p:spPr>
-          <a:xfrm flipH="1">
-            <a:off x="1353823" y="4636168"/>
-            <a:ext cx="316696" cy="0"/>
-          </a:xfrm>
-          <a:prstGeom prst="straightConnector1">
-            <a:avLst/>
-          </a:prstGeom>
-          <a:ln>
-            <a:tailEnd type="triangle"/>
-          </a:ln>
-        </p:spPr>
-        <p:style>
-          <a:lnRef idx="2">
-            <a:schemeClr val="accent1"/>
-          </a:lnRef>
-          <a:fillRef idx="0">
-            <a:schemeClr val="accent1"/>
-          </a:fillRef>
-          <a:effectRef idx="1">
-            <a:schemeClr val="accent1"/>
-          </a:effectRef>
-          <a:fontRef idx="minor">
-            <a:schemeClr val="tx1"/>
-          </a:fontRef>
-        </p:style>
-      </p:cxnSp>
-      <p:cxnSp>
-        <p:nvCxnSpPr>
-          <p:cNvPr id="103" name="直線矢印コネクタ 102">
-            <a:extLst>
-              <a:ext uri="{FF2B5EF4-FFF2-40B4-BE49-F238E27FC236}">
-                <a16:creationId xmlns:a16="http://schemas.microsoft.com/office/drawing/2014/main" id="{82C5C9E9-85D7-0093-8C53-E10ED364F56C}"/>
-              </a:ext>
-            </a:extLst>
-          </p:cNvPr>
-          <p:cNvCxnSpPr>
-            <a:cxnSpLocks/>
-            <a:stCxn id="89" idx="2"/>
-            <a:endCxn id="94" idx="0"/>
-          </p:cNvCxnSpPr>
-          <p:nvPr/>
-        </p:nvCxnSpPr>
-        <p:spPr>
-          <a:xfrm>
-            <a:off x="2570882" y="5093368"/>
-            <a:ext cx="0" cy="557463"/>
-          </a:xfrm>
-          <a:prstGeom prst="straightConnector1">
-            <a:avLst/>
-          </a:prstGeom>
-          <a:ln>
-            <a:tailEnd type="triangle"/>
-          </a:ln>
-        </p:spPr>
-        <p:style>
-          <a:lnRef idx="2">
-            <a:schemeClr val="accent1"/>
-          </a:lnRef>
-          <a:fillRef idx="0">
-            <a:schemeClr val="accent1"/>
-          </a:fillRef>
-          <a:effectRef idx="1">
-            <a:schemeClr val="accent1"/>
-          </a:effectRef>
-          <a:fontRef idx="minor">
-            <a:schemeClr val="tx1"/>
-          </a:fontRef>
-        </p:style>
-      </p:cxnSp>
-      <p:sp>
-        <p:nvSpPr>
-          <p:cNvPr id="106" name="テキスト ボックス 105">
-            <a:extLst>
-              <a:ext uri="{FF2B5EF4-FFF2-40B4-BE49-F238E27FC236}">
-                <a16:creationId xmlns:a16="http://schemas.microsoft.com/office/drawing/2014/main" id="{6A523933-5EAE-40A5-69F9-84702BE77DA0}"/>
-              </a:ext>
-            </a:extLst>
-          </p:cNvPr>
-          <p:cNvSpPr txBox="1"/>
-          <p:nvPr/>
-        </p:nvSpPr>
-        <p:spPr>
-          <a:xfrm>
-            <a:off x="1222669" y="4038236"/>
-            <a:ext cx="579005" cy="369332"/>
-          </a:xfrm>
-          <a:prstGeom prst="rect">
-            <a:avLst/>
-          </a:prstGeom>
-          <a:noFill/>
-        </p:spPr>
-        <p:txBody>
-          <a:bodyPr wrap="none" rtlCol="0">
-            <a:spAutoFit/>
-          </a:bodyPr>
-          <a:lstStyle/>
-          <a:p>
-            <a:r>
-              <a:rPr kumimoji="1" lang="en-US" altLang="ja-JP" dirty="0"/>
-              <a:t>Yes</a:t>
-            </a:r>
-          </a:p>
-        </p:txBody>
-      </p:sp>
-      <p:sp>
-        <p:nvSpPr>
-          <p:cNvPr id="107" name="テキスト ボックス 106">
-            <a:extLst>
-              <a:ext uri="{FF2B5EF4-FFF2-40B4-BE49-F238E27FC236}">
-                <a16:creationId xmlns:a16="http://schemas.microsoft.com/office/drawing/2014/main" id="{AC6F5BF0-FC0B-B6DB-830F-7C30AE18C450}"/>
-              </a:ext>
-            </a:extLst>
-          </p:cNvPr>
-          <p:cNvSpPr txBox="1"/>
-          <p:nvPr/>
-        </p:nvSpPr>
-        <p:spPr>
-          <a:xfrm>
-            <a:off x="2629034" y="5187433"/>
-            <a:ext cx="487634" cy="369332"/>
-          </a:xfrm>
-          <a:prstGeom prst="rect">
-            <a:avLst/>
-          </a:prstGeom>
-          <a:noFill/>
-        </p:spPr>
-        <p:txBody>
-          <a:bodyPr wrap="none" rtlCol="0">
-            <a:spAutoFit/>
-          </a:bodyPr>
-          <a:lstStyle/>
-          <a:p>
-            <a:r>
-              <a:rPr lang="en-US" altLang="ja-JP" dirty="0"/>
-              <a:t>No</a:t>
-            </a:r>
-            <a:endParaRPr kumimoji="1" lang="en-US" altLang="ja-JP" dirty="0"/>
-          </a:p>
-        </p:txBody>
-      </p:sp>
-      <p:cxnSp>
-        <p:nvCxnSpPr>
-          <p:cNvPr id="108" name="直線矢印コネクタ 107">
-            <a:extLst>
-              <a:ext uri="{FF2B5EF4-FFF2-40B4-BE49-F238E27FC236}">
-                <a16:creationId xmlns:a16="http://schemas.microsoft.com/office/drawing/2014/main" id="{C5F41EA2-8BE6-12FF-CBA7-4736605C2DBE}"/>
-              </a:ext>
-            </a:extLst>
-          </p:cNvPr>
-          <p:cNvCxnSpPr>
-            <a:cxnSpLocks/>
-            <a:stCxn id="94" idx="1"/>
-            <a:endCxn id="75" idx="6"/>
-          </p:cNvCxnSpPr>
-          <p:nvPr/>
-        </p:nvCxnSpPr>
-        <p:spPr>
-          <a:xfrm flipH="1">
-            <a:off x="1426000" y="5931568"/>
-            <a:ext cx="601455" cy="0"/>
-          </a:xfrm>
-          <a:prstGeom prst="straightConnector1">
-            <a:avLst/>
-          </a:prstGeom>
-          <a:ln>
-            <a:tailEnd type="triangle"/>
-          </a:ln>
-        </p:spPr>
-        <p:style>
-          <a:lnRef idx="2">
-            <a:schemeClr val="accent1"/>
-          </a:lnRef>
-          <a:fillRef idx="0">
-            <a:schemeClr val="accent1"/>
-          </a:fillRef>
-          <a:effectRef idx="1">
-            <a:schemeClr val="accent1"/>
-          </a:effectRef>
-          <a:fontRef idx="minor">
-            <a:schemeClr val="tx1"/>
-          </a:fontRef>
-        </p:style>
-      </p:cxnSp>
-      <p:cxnSp>
-        <p:nvCxnSpPr>
-          <p:cNvPr id="111" name="直線矢印コネクタ 110">
-            <a:extLst>
-              <a:ext uri="{FF2B5EF4-FFF2-40B4-BE49-F238E27FC236}">
-                <a16:creationId xmlns:a16="http://schemas.microsoft.com/office/drawing/2014/main" id="{2CEC1CD2-F12A-F5EE-B0AA-1025027EB572}"/>
-              </a:ext>
-            </a:extLst>
-          </p:cNvPr>
-          <p:cNvCxnSpPr>
-            <a:cxnSpLocks/>
-            <a:stCxn id="93" idx="2"/>
-            <a:endCxn id="75" idx="0"/>
-          </p:cNvCxnSpPr>
-          <p:nvPr/>
-        </p:nvCxnSpPr>
-        <p:spPr>
-          <a:xfrm>
-            <a:off x="810397" y="4916905"/>
-            <a:ext cx="72177" cy="733926"/>
-          </a:xfrm>
-          <a:prstGeom prst="straightConnector1">
-            <a:avLst/>
-          </a:prstGeom>
-          <a:ln>
-            <a:tailEnd type="triangle"/>
-          </a:ln>
-        </p:spPr>
-        <p:style>
-          <a:lnRef idx="2">
-            <a:schemeClr val="accent1"/>
-          </a:lnRef>
-          <a:fillRef idx="0">
-            <a:schemeClr val="accent1"/>
-          </a:fillRef>
-          <a:effectRef idx="1">
-            <a:schemeClr val="accent1"/>
-          </a:effectRef>
-          <a:fontRef idx="minor">
-            <a:schemeClr val="tx1"/>
-          </a:fontRef>
-        </p:style>
-      </p:cxnSp>
-      <p:cxnSp>
-        <p:nvCxnSpPr>
-          <p:cNvPr id="116" name="コネクタ: 曲線 115">
-            <a:extLst>
-              <a:ext uri="{FF2B5EF4-FFF2-40B4-BE49-F238E27FC236}">
-                <a16:creationId xmlns:a16="http://schemas.microsoft.com/office/drawing/2014/main" id="{4BED26E2-8AF7-FBB4-3083-A6728DF73267}"/>
-              </a:ext>
-            </a:extLst>
-          </p:cNvPr>
-          <p:cNvCxnSpPr>
-            <a:cxnSpLocks/>
-            <a:stCxn id="53" idx="2"/>
-            <a:endCxn id="59" idx="3"/>
-          </p:cNvCxnSpPr>
-          <p:nvPr/>
-        </p:nvCxnSpPr>
-        <p:spPr>
-          <a:xfrm rot="5400000" flipH="1" flipV="1">
-            <a:off x="7065802" y="3658860"/>
-            <a:ext cx="457200" cy="5034699"/>
-          </a:xfrm>
-          <a:prstGeom prst="curvedConnector4">
-            <a:avLst>
-              <a:gd name="adj1" fmla="val -50000"/>
-              <a:gd name="adj2" fmla="val 116648"/>
-            </a:avLst>
-          </a:prstGeom>
-          <a:ln>
-            <a:tailEnd type="triangle"/>
-          </a:ln>
-        </p:spPr>
-        <p:style>
-          <a:lnRef idx="2">
-            <a:schemeClr val="accent1"/>
-          </a:lnRef>
-          <a:fillRef idx="0">
-            <a:schemeClr val="accent1"/>
-          </a:fillRef>
-          <a:effectRef idx="1">
-            <a:schemeClr val="accent1"/>
-          </a:effectRef>
-          <a:fontRef idx="minor">
-            <a:schemeClr val="tx1"/>
-          </a:fontRef>
-        </p:style>
-      </p:cxnSp>
-      <p:cxnSp>
-        <p:nvCxnSpPr>
-          <p:cNvPr id="120" name="コネクタ: 曲線 119">
-            <a:extLst>
-              <a:ext uri="{FF2B5EF4-FFF2-40B4-BE49-F238E27FC236}">
-                <a16:creationId xmlns:a16="http://schemas.microsoft.com/office/drawing/2014/main" id="{4AC97D05-661D-F526-E512-9AB6FF09FEEC}"/>
-              </a:ext>
-            </a:extLst>
-          </p:cNvPr>
-          <p:cNvCxnSpPr>
-            <a:cxnSpLocks/>
-            <a:stCxn id="53" idx="2"/>
-            <a:endCxn id="58" idx="3"/>
-          </p:cNvCxnSpPr>
-          <p:nvPr/>
-        </p:nvCxnSpPr>
-        <p:spPr>
-          <a:xfrm rot="5400000" flipH="1" flipV="1">
-            <a:off x="6420542" y="2992679"/>
-            <a:ext cx="1768642" cy="5055620"/>
-          </a:xfrm>
-          <a:prstGeom prst="curvedConnector4">
-            <a:avLst>
-              <a:gd name="adj1" fmla="val -12925"/>
-              <a:gd name="adj2" fmla="val 139426"/>
-            </a:avLst>
-          </a:prstGeom>
-          <a:ln>
-            <a:tailEnd type="triangle"/>
-          </a:ln>
-        </p:spPr>
-        <p:style>
-          <a:lnRef idx="2">
-            <a:schemeClr val="accent1"/>
-          </a:lnRef>
-          <a:fillRef idx="0">
-            <a:schemeClr val="accent1"/>
-          </a:fillRef>
-          <a:effectRef idx="1">
-            <a:schemeClr val="accent1"/>
-          </a:effectRef>
-          <a:fontRef idx="minor">
-            <a:schemeClr val="tx1"/>
-          </a:fontRef>
-        </p:style>
-      </p:cxnSp>
-      <p:sp>
-        <p:nvSpPr>
-          <p:cNvPr id="124" name="テキスト ボックス 123">
-            <a:extLst>
-              <a:ext uri="{FF2B5EF4-FFF2-40B4-BE49-F238E27FC236}">
-                <a16:creationId xmlns:a16="http://schemas.microsoft.com/office/drawing/2014/main" id="{E1714324-4FD8-59F8-DA14-CAF918DAAE7C}"/>
-              </a:ext>
-            </a:extLst>
-          </p:cNvPr>
-          <p:cNvSpPr txBox="1"/>
-          <p:nvPr/>
-        </p:nvSpPr>
-        <p:spPr>
-          <a:xfrm>
-            <a:off x="4533235" y="6448744"/>
-            <a:ext cx="487634" cy="369332"/>
-          </a:xfrm>
-          <a:prstGeom prst="rect">
-            <a:avLst/>
-          </a:prstGeom>
-          <a:noFill/>
-        </p:spPr>
-        <p:txBody>
-          <a:bodyPr wrap="none" rtlCol="0">
-            <a:spAutoFit/>
-          </a:bodyPr>
-          <a:lstStyle/>
-          <a:p>
-            <a:r>
-              <a:rPr lang="en-US" altLang="ja-JP" dirty="0"/>
-              <a:t>No</a:t>
-            </a:r>
-            <a:endParaRPr kumimoji="1" lang="en-US" altLang="ja-JP" dirty="0"/>
-          </a:p>
-        </p:txBody>
-      </p:sp>
-    </p:spTree>
-    <p:extLst>
-      <p:ext uri="{BB962C8B-B14F-4D97-AF65-F5344CB8AC3E}">
-        <p14:creationId xmlns:p14="http://schemas.microsoft.com/office/powerpoint/2010/main" val="216958901"/>
-      </p:ext>
-    </p:extLst>
-  </p:cSld>
-  <p:clrMapOvr>
-    <a:masterClrMapping/>
-  </p:clrMapOvr>
-</p:sld>
-</file>
-
-<file path=ppt/slides/slide3.xml><?xml version="1.0" encoding="utf-8"?>
-<p:sld xmlns:a="http://schemas.openxmlformats.org/drawingml/2006/main" xmlns:r="http://schemas.openxmlformats.org/officeDocument/2006/relationships" xmlns:p="http://schemas.openxmlformats.org/presentationml/2006/main">
-  <p:cSld>
-    <p:spTree>
-      <p:nvGrpSpPr>
-        <p:cNvPr id="1" name=""/>
-        <p:cNvGrpSpPr/>
-        <p:nvPr/>
-      </p:nvGrpSpPr>
-      <p:grpSpPr>
-        <a:xfrm>
-          <a:off x="0" y="0"/>
-          <a:ext cx="0" cy="0"/>
-          <a:chOff x="0" y="0"/>
-          <a:chExt cx="0" cy="0"/>
-        </a:xfrm>
-      </p:grpSpPr>
-      <p:sp>
-        <p:nvSpPr>
-          <p:cNvPr id="2" name="タイトル 1">
-            <a:extLst>
-              <a:ext uri="{FF2B5EF4-FFF2-40B4-BE49-F238E27FC236}">
-                <a16:creationId xmlns:a16="http://schemas.microsoft.com/office/drawing/2014/main" id="{5B45BD55-CC61-83DD-AC31-BF92B58B98C5}"/>
-              </a:ext>
-            </a:extLst>
-          </p:cNvPr>
-          <p:cNvSpPr>
-            <a:spLocks noGrp="1"/>
-          </p:cNvSpPr>
-          <p:nvPr>
-            <p:ph type="title"/>
-          </p:nvPr>
-        </p:nvSpPr>
-        <p:spPr>
-          <a:xfrm>
-            <a:off x="256674" y="128337"/>
-            <a:ext cx="11454063" cy="585528"/>
-          </a:xfrm>
-        </p:spPr>
-        <p:txBody>
-          <a:bodyPr>
-            <a:normAutofit fontScale="90000"/>
-          </a:bodyPr>
-          <a:lstStyle/>
-          <a:p>
-            <a:r>
-              <a:rPr kumimoji="1" lang="ja-JP" altLang="en-US" dirty="0"/>
-              <a:t>画面遷移図</a:t>
-            </a:r>
-          </a:p>
-        </p:txBody>
-      </p:sp>
-      <p:sp>
-        <p:nvSpPr>
-          <p:cNvPr id="5" name="四角形: 角を丸くする 4">
-            <a:extLst>
-              <a:ext uri="{FF2B5EF4-FFF2-40B4-BE49-F238E27FC236}">
-                <a16:creationId xmlns:a16="http://schemas.microsoft.com/office/drawing/2014/main" id="{5E6AB4E6-7F9C-9ACA-E02C-02697657D7DB}"/>
-              </a:ext>
-            </a:extLst>
-          </p:cNvPr>
-          <p:cNvSpPr/>
-          <p:nvPr/>
-        </p:nvSpPr>
-        <p:spPr>
-          <a:xfrm>
-            <a:off x="465223" y="1130974"/>
-            <a:ext cx="2045364" cy="585527"/>
-          </a:xfrm>
-          <a:prstGeom prst="roundRect">
-            <a:avLst/>
-          </a:prstGeom>
-        </p:spPr>
-        <p:style>
-          <a:lnRef idx="2">
-            <a:schemeClr val="accent4"/>
-          </a:lnRef>
-          <a:fillRef idx="1">
-            <a:schemeClr val="lt1"/>
-          </a:fillRef>
-          <a:effectRef idx="0">
-            <a:schemeClr val="accent4"/>
-          </a:effectRef>
-          <a:fontRef idx="minor">
-            <a:schemeClr val="dk1"/>
-          </a:fontRef>
-        </p:style>
-        <p:txBody>
-          <a:bodyPr rtlCol="0" anchor="ctr"/>
-          <a:lstStyle/>
-          <a:p>
-            <a:pPr algn="ctr"/>
-            <a:r>
-              <a:rPr lang="ja-JP" altLang="en-US" dirty="0"/>
-              <a:t>トップページ</a:t>
-            </a:r>
-            <a:endParaRPr kumimoji="1" lang="ja-JP" altLang="en-US" dirty="0"/>
-          </a:p>
-        </p:txBody>
-      </p:sp>
-      <p:sp>
-        <p:nvSpPr>
-          <p:cNvPr id="6" name="四角形: 角を丸くする 5">
-            <a:extLst>
-              <a:ext uri="{FF2B5EF4-FFF2-40B4-BE49-F238E27FC236}">
-                <a16:creationId xmlns:a16="http://schemas.microsoft.com/office/drawing/2014/main" id="{49F4D3C1-B722-586E-E4AC-E5318248BE54}"/>
-              </a:ext>
-            </a:extLst>
-          </p:cNvPr>
-          <p:cNvSpPr/>
-          <p:nvPr/>
-        </p:nvSpPr>
-        <p:spPr>
-          <a:xfrm>
-            <a:off x="2900619" y="2129600"/>
-            <a:ext cx="2045364" cy="585527"/>
-          </a:xfrm>
-          <a:prstGeom prst="roundRect">
-            <a:avLst/>
-          </a:prstGeom>
-          <a:ln>
-            <a:solidFill>
-              <a:schemeClr val="accent6"/>
-            </a:solidFill>
-          </a:ln>
-        </p:spPr>
-        <p:style>
-          <a:lnRef idx="2">
-            <a:schemeClr val="accent4"/>
-          </a:lnRef>
-          <a:fillRef idx="1">
-            <a:schemeClr val="lt1"/>
-          </a:fillRef>
-          <a:effectRef idx="0">
-            <a:schemeClr val="accent4"/>
-          </a:effectRef>
-          <a:fontRef idx="minor">
-            <a:schemeClr val="dk1"/>
-          </a:fontRef>
-        </p:style>
-        <p:txBody>
-          <a:bodyPr rtlCol="0" anchor="ctr"/>
-          <a:lstStyle/>
-          <a:p>
-            <a:pPr algn="ctr"/>
-            <a:r>
-              <a:rPr lang="ja-JP" altLang="en-US" dirty="0"/>
-              <a:t>ログインページ</a:t>
-            </a:r>
-            <a:endParaRPr kumimoji="1" lang="ja-JP" altLang="en-US" dirty="0"/>
-          </a:p>
-        </p:txBody>
-      </p:sp>
-      <p:sp>
-        <p:nvSpPr>
-          <p:cNvPr id="8" name="四角形: 角を丸くする 7">
-            <a:extLst>
-              <a:ext uri="{FF2B5EF4-FFF2-40B4-BE49-F238E27FC236}">
-                <a16:creationId xmlns:a16="http://schemas.microsoft.com/office/drawing/2014/main" id="{E336EE27-B10C-C060-3207-D6D438988E26}"/>
-              </a:ext>
-            </a:extLst>
-          </p:cNvPr>
-          <p:cNvSpPr/>
-          <p:nvPr/>
-        </p:nvSpPr>
-        <p:spPr>
-          <a:xfrm>
-            <a:off x="465223" y="2077459"/>
-            <a:ext cx="2045364" cy="585527"/>
-          </a:xfrm>
-          <a:prstGeom prst="roundRect">
-            <a:avLst/>
-          </a:prstGeom>
-          <a:ln>
-            <a:solidFill>
-              <a:schemeClr val="accent6"/>
-            </a:solidFill>
-          </a:ln>
-        </p:spPr>
-        <p:style>
-          <a:lnRef idx="2">
-            <a:schemeClr val="accent4"/>
-          </a:lnRef>
-          <a:fillRef idx="1">
-            <a:schemeClr val="lt1"/>
-          </a:fillRef>
-          <a:effectRef idx="0">
-            <a:schemeClr val="accent4"/>
-          </a:effectRef>
-          <a:fontRef idx="minor">
-            <a:schemeClr val="dk1"/>
-          </a:fontRef>
-        </p:style>
-        <p:txBody>
-          <a:bodyPr rtlCol="0" anchor="ctr"/>
-          <a:lstStyle/>
-          <a:p>
-            <a:pPr algn="ctr"/>
-            <a:r>
-              <a:rPr lang="ja-JP" altLang="en-US" dirty="0"/>
-              <a:t>会員登録ページ</a:t>
-            </a:r>
-            <a:endParaRPr kumimoji="1" lang="ja-JP" altLang="en-US" dirty="0"/>
-          </a:p>
-        </p:txBody>
-      </p:sp>
-      <p:sp>
-        <p:nvSpPr>
-          <p:cNvPr id="9" name="四角形: 角を丸くする 8">
-            <a:extLst>
-              <a:ext uri="{FF2B5EF4-FFF2-40B4-BE49-F238E27FC236}">
-                <a16:creationId xmlns:a16="http://schemas.microsoft.com/office/drawing/2014/main" id="{5F328A58-B11D-36FE-9C20-AD9C4B11EC52}"/>
-              </a:ext>
-            </a:extLst>
-          </p:cNvPr>
-          <p:cNvSpPr/>
-          <p:nvPr/>
-        </p:nvSpPr>
-        <p:spPr>
-          <a:xfrm>
-            <a:off x="465222" y="3023944"/>
-            <a:ext cx="2045364" cy="585527"/>
-          </a:xfrm>
-          <a:prstGeom prst="roundRect">
-            <a:avLst/>
-          </a:prstGeom>
-          <a:ln>
-            <a:solidFill>
-              <a:schemeClr val="accent5"/>
-            </a:solidFill>
-          </a:ln>
-        </p:spPr>
-        <p:style>
-          <a:lnRef idx="2">
-            <a:schemeClr val="accent4"/>
-          </a:lnRef>
-          <a:fillRef idx="1">
-            <a:schemeClr val="lt1"/>
-          </a:fillRef>
-          <a:effectRef idx="0">
-            <a:schemeClr val="accent4"/>
-          </a:effectRef>
-          <a:fontRef idx="minor">
-            <a:schemeClr val="dk1"/>
-          </a:fontRef>
-        </p:style>
-        <p:txBody>
-          <a:bodyPr rtlCol="0" anchor="ctr"/>
-          <a:lstStyle/>
-          <a:p>
-            <a:pPr algn="ctr"/>
-            <a:r>
-              <a:rPr kumimoji="1" lang="ja-JP" altLang="en-US" dirty="0"/>
-              <a:t>マイページ</a:t>
-            </a:r>
-          </a:p>
-        </p:txBody>
-      </p:sp>
-      <p:sp>
-        <p:nvSpPr>
-          <p:cNvPr id="10" name="四角形: 角を丸くする 9">
-            <a:extLst>
-              <a:ext uri="{FF2B5EF4-FFF2-40B4-BE49-F238E27FC236}">
-                <a16:creationId xmlns:a16="http://schemas.microsoft.com/office/drawing/2014/main" id="{AE020642-3670-EC1A-454E-929E223369A7}"/>
-              </a:ext>
-            </a:extLst>
-          </p:cNvPr>
-          <p:cNvSpPr/>
-          <p:nvPr/>
-        </p:nvSpPr>
-        <p:spPr>
-          <a:xfrm>
-            <a:off x="465221" y="3970429"/>
-            <a:ext cx="2045364" cy="585527"/>
-          </a:xfrm>
-          <a:prstGeom prst="roundRect">
-            <a:avLst/>
-          </a:prstGeom>
-          <a:ln>
-            <a:solidFill>
-              <a:schemeClr val="accent5"/>
-            </a:solidFill>
-          </a:ln>
-        </p:spPr>
-        <p:style>
-          <a:lnRef idx="2">
-            <a:schemeClr val="accent4"/>
-          </a:lnRef>
-          <a:fillRef idx="1">
-            <a:schemeClr val="lt1"/>
-          </a:fillRef>
-          <a:effectRef idx="0">
-            <a:schemeClr val="accent4"/>
-          </a:effectRef>
-          <a:fontRef idx="minor">
-            <a:schemeClr val="dk1"/>
-          </a:fontRef>
-        </p:style>
-        <p:txBody>
-          <a:bodyPr rtlCol="0" anchor="ctr"/>
-          <a:lstStyle/>
-          <a:p>
-            <a:pPr algn="ctr"/>
-            <a:r>
-              <a:rPr lang="ja-JP" altLang="en-US" dirty="0"/>
-              <a:t>注文履歴ページ</a:t>
-            </a:r>
-            <a:endParaRPr kumimoji="1" lang="ja-JP" altLang="en-US" dirty="0"/>
-          </a:p>
-        </p:txBody>
-      </p:sp>
-      <p:sp>
-        <p:nvSpPr>
-          <p:cNvPr id="11" name="四角形: 角を丸くする 10">
-            <a:extLst>
-              <a:ext uri="{FF2B5EF4-FFF2-40B4-BE49-F238E27FC236}">
-                <a16:creationId xmlns:a16="http://schemas.microsoft.com/office/drawing/2014/main" id="{E6D4339C-5472-A5D2-6854-6DB4A09FA791}"/>
-              </a:ext>
-            </a:extLst>
-          </p:cNvPr>
-          <p:cNvSpPr/>
-          <p:nvPr/>
-        </p:nvSpPr>
-        <p:spPr>
-          <a:xfrm>
-            <a:off x="465221" y="4916914"/>
-            <a:ext cx="2045364" cy="585527"/>
-          </a:xfrm>
-          <a:prstGeom prst="roundRect">
-            <a:avLst/>
-          </a:prstGeom>
-          <a:ln>
-            <a:solidFill>
-              <a:schemeClr val="accent5"/>
-            </a:solidFill>
-          </a:ln>
-        </p:spPr>
-        <p:style>
-          <a:lnRef idx="2">
-            <a:schemeClr val="accent4"/>
-          </a:lnRef>
-          <a:fillRef idx="1">
-            <a:schemeClr val="lt1"/>
-          </a:fillRef>
-          <a:effectRef idx="0">
-            <a:schemeClr val="accent4"/>
-          </a:effectRef>
-          <a:fontRef idx="minor">
-            <a:schemeClr val="dk1"/>
-          </a:fontRef>
-        </p:style>
-        <p:txBody>
-          <a:bodyPr rtlCol="0" anchor="ctr"/>
-          <a:lstStyle/>
-          <a:p>
-            <a:pPr algn="ctr"/>
-            <a:r>
-              <a:rPr kumimoji="1" lang="ja-JP" altLang="en-US" dirty="0"/>
-              <a:t>注文詳細ページ</a:t>
-            </a:r>
-          </a:p>
-        </p:txBody>
-      </p:sp>
-      <p:sp>
-        <p:nvSpPr>
-          <p:cNvPr id="12" name="四角形: 角を丸くする 11">
-            <a:extLst>
-              <a:ext uri="{FF2B5EF4-FFF2-40B4-BE49-F238E27FC236}">
-                <a16:creationId xmlns:a16="http://schemas.microsoft.com/office/drawing/2014/main" id="{97189004-AF72-C0E2-C444-C901086FED36}"/>
-              </a:ext>
-            </a:extLst>
-          </p:cNvPr>
-          <p:cNvSpPr/>
-          <p:nvPr/>
-        </p:nvSpPr>
-        <p:spPr>
-          <a:xfrm>
-            <a:off x="465221" y="5863399"/>
-            <a:ext cx="2045364" cy="585527"/>
-          </a:xfrm>
-          <a:prstGeom prst="roundRect">
-            <a:avLst/>
-          </a:prstGeom>
-          <a:ln>
-            <a:solidFill>
-              <a:schemeClr val="accent5"/>
-            </a:solidFill>
-          </a:ln>
-        </p:spPr>
-        <p:style>
-          <a:lnRef idx="2">
-            <a:schemeClr val="accent4"/>
-          </a:lnRef>
-          <a:fillRef idx="1">
-            <a:schemeClr val="lt1"/>
-          </a:fillRef>
-          <a:effectRef idx="0">
-            <a:schemeClr val="accent4"/>
-          </a:effectRef>
-          <a:fontRef idx="minor">
-            <a:schemeClr val="dk1"/>
-          </a:fontRef>
-        </p:style>
-        <p:txBody>
-          <a:bodyPr rtlCol="0" anchor="ctr"/>
-          <a:lstStyle/>
-          <a:p>
-            <a:pPr algn="ctr"/>
-            <a:r>
-              <a:rPr lang="ja-JP" altLang="en-US" dirty="0"/>
-              <a:t>会員情報集ページ</a:t>
-            </a:r>
-            <a:endParaRPr kumimoji="1" lang="ja-JP" altLang="en-US" dirty="0"/>
-          </a:p>
-        </p:txBody>
-      </p:sp>
-      <p:sp>
-        <p:nvSpPr>
-          <p:cNvPr id="13" name="四角形: 角を丸くする 12">
-            <a:extLst>
-              <a:ext uri="{FF2B5EF4-FFF2-40B4-BE49-F238E27FC236}">
-                <a16:creationId xmlns:a16="http://schemas.microsoft.com/office/drawing/2014/main" id="{F8017EBA-8107-034A-9E8B-E28BC1DC3B57}"/>
-              </a:ext>
-            </a:extLst>
-          </p:cNvPr>
-          <p:cNvSpPr/>
-          <p:nvPr/>
-        </p:nvSpPr>
-        <p:spPr>
-          <a:xfrm>
-            <a:off x="5630791" y="1193140"/>
-            <a:ext cx="2045364" cy="585527"/>
-          </a:xfrm>
-          <a:prstGeom prst="roundRect">
-            <a:avLst/>
-          </a:prstGeom>
-          <a:ln>
-            <a:solidFill>
-              <a:srgbClr val="C00000"/>
-            </a:solidFill>
-          </a:ln>
-        </p:spPr>
-        <p:style>
-          <a:lnRef idx="2">
-            <a:schemeClr val="accent4"/>
-          </a:lnRef>
-          <a:fillRef idx="1">
-            <a:schemeClr val="lt1"/>
-          </a:fillRef>
-          <a:effectRef idx="0">
-            <a:schemeClr val="accent4"/>
-          </a:effectRef>
-          <a:fontRef idx="minor">
-            <a:schemeClr val="dk1"/>
-          </a:fontRef>
-        </p:style>
-        <p:txBody>
-          <a:bodyPr rtlCol="0" anchor="ctr"/>
-          <a:lstStyle/>
-          <a:p>
-            <a:pPr algn="ctr"/>
-            <a:r>
-              <a:rPr kumimoji="1" lang="ja-JP" altLang="en-US" dirty="0">
-                <a:solidFill>
-                  <a:schemeClr val="tx1"/>
-                </a:solidFill>
-              </a:rPr>
-              <a:t>書類検索ページ</a:t>
-            </a:r>
-          </a:p>
-        </p:txBody>
-      </p:sp>
-      <p:sp>
-        <p:nvSpPr>
-          <p:cNvPr id="14" name="四角形: 角を丸くする 13">
-            <a:extLst>
-              <a:ext uri="{FF2B5EF4-FFF2-40B4-BE49-F238E27FC236}">
-                <a16:creationId xmlns:a16="http://schemas.microsoft.com/office/drawing/2014/main" id="{50D33F42-AFB0-4F3F-67E4-AB47F29C82B5}"/>
-              </a:ext>
-            </a:extLst>
-          </p:cNvPr>
-          <p:cNvSpPr/>
-          <p:nvPr/>
-        </p:nvSpPr>
-        <p:spPr>
-          <a:xfrm>
-            <a:off x="8556464" y="1130973"/>
-            <a:ext cx="2045364" cy="585527"/>
-          </a:xfrm>
-          <a:prstGeom prst="roundRect">
-            <a:avLst/>
-          </a:prstGeom>
-          <a:ln>
-            <a:solidFill>
-              <a:srgbClr val="C00000"/>
-            </a:solidFill>
-          </a:ln>
-        </p:spPr>
-        <p:style>
-          <a:lnRef idx="2">
-            <a:schemeClr val="accent4"/>
-          </a:lnRef>
-          <a:fillRef idx="1">
-            <a:schemeClr val="lt1"/>
-          </a:fillRef>
-          <a:effectRef idx="0">
-            <a:schemeClr val="accent4"/>
-          </a:effectRef>
-          <a:fontRef idx="minor">
-            <a:schemeClr val="dk1"/>
-          </a:fontRef>
-        </p:style>
-        <p:txBody>
-          <a:bodyPr rtlCol="0" anchor="ctr"/>
-          <a:lstStyle/>
-          <a:p>
-            <a:pPr algn="ctr"/>
-            <a:r>
-              <a:rPr kumimoji="1" lang="ja-JP" altLang="en-US" dirty="0">
-                <a:solidFill>
-                  <a:schemeClr val="tx1"/>
-                </a:solidFill>
-              </a:rPr>
-              <a:t>カテゴリ一覧ページ</a:t>
-            </a:r>
-          </a:p>
-        </p:txBody>
-      </p:sp>
-      <p:sp>
-        <p:nvSpPr>
-          <p:cNvPr id="15" name="四角形: 角を丸くする 14">
-            <a:extLst>
-              <a:ext uri="{FF2B5EF4-FFF2-40B4-BE49-F238E27FC236}">
-                <a16:creationId xmlns:a16="http://schemas.microsoft.com/office/drawing/2014/main" id="{E3A28A98-06C8-A389-A804-E067BBC6CDE5}"/>
-              </a:ext>
-            </a:extLst>
-          </p:cNvPr>
-          <p:cNvSpPr/>
-          <p:nvPr/>
-        </p:nvSpPr>
-        <p:spPr>
-          <a:xfrm>
-            <a:off x="5630791" y="3023944"/>
-            <a:ext cx="2045364" cy="585527"/>
-          </a:xfrm>
-          <a:prstGeom prst="roundRect">
-            <a:avLst/>
-          </a:prstGeom>
-          <a:ln>
-            <a:solidFill>
-              <a:srgbClr val="C00000"/>
-            </a:solidFill>
-          </a:ln>
-        </p:spPr>
-        <p:style>
-          <a:lnRef idx="2">
-            <a:schemeClr val="accent4"/>
-          </a:lnRef>
-          <a:fillRef idx="1">
-            <a:schemeClr val="lt1"/>
-          </a:fillRef>
-          <a:effectRef idx="0">
-            <a:schemeClr val="accent4"/>
-          </a:effectRef>
-          <a:fontRef idx="minor">
-            <a:schemeClr val="dk1"/>
-          </a:fontRef>
-        </p:style>
-        <p:txBody>
-          <a:bodyPr rtlCol="0" anchor="ctr"/>
-          <a:lstStyle/>
-          <a:p>
-            <a:pPr algn="ctr"/>
-            <a:r>
-              <a:rPr lang="ja-JP" altLang="en-US" dirty="0">
-                <a:solidFill>
-                  <a:schemeClr val="tx1"/>
-                </a:solidFill>
-              </a:rPr>
-              <a:t>書類詳細ページ</a:t>
-            </a:r>
-            <a:endParaRPr kumimoji="1" lang="ja-JP" altLang="en-US" dirty="0">
-              <a:solidFill>
-                <a:schemeClr val="tx1"/>
-              </a:solidFill>
-            </a:endParaRPr>
-          </a:p>
-        </p:txBody>
-      </p:sp>
-      <p:sp>
-        <p:nvSpPr>
-          <p:cNvPr id="16" name="四角形: 角を丸くする 15">
-            <a:extLst>
-              <a:ext uri="{FF2B5EF4-FFF2-40B4-BE49-F238E27FC236}">
-                <a16:creationId xmlns:a16="http://schemas.microsoft.com/office/drawing/2014/main" id="{9F338DDA-001F-C722-1DE1-466035436146}"/>
-              </a:ext>
-            </a:extLst>
-          </p:cNvPr>
-          <p:cNvSpPr/>
-          <p:nvPr/>
-        </p:nvSpPr>
-        <p:spPr>
-          <a:xfrm>
-            <a:off x="5630791" y="3970428"/>
-            <a:ext cx="2045364" cy="585527"/>
-          </a:xfrm>
-          <a:prstGeom prst="roundRect">
-            <a:avLst/>
-          </a:prstGeom>
-          <a:ln>
-            <a:solidFill>
-              <a:schemeClr val="accent2"/>
-            </a:solidFill>
-          </a:ln>
-        </p:spPr>
-        <p:style>
-          <a:lnRef idx="2">
-            <a:schemeClr val="accent4"/>
-          </a:lnRef>
-          <a:fillRef idx="1">
-            <a:schemeClr val="lt1"/>
-          </a:fillRef>
-          <a:effectRef idx="0">
-            <a:schemeClr val="accent4"/>
-          </a:effectRef>
-          <a:fontRef idx="minor">
-            <a:schemeClr val="dk1"/>
-          </a:fontRef>
-        </p:style>
-        <p:txBody>
-          <a:bodyPr rtlCol="0" anchor="ctr"/>
-          <a:lstStyle/>
-          <a:p>
-            <a:pPr algn="ctr"/>
-            <a:r>
-              <a:rPr kumimoji="1" lang="ja-JP" altLang="en-US" dirty="0">
-                <a:solidFill>
-                  <a:schemeClr val="tx1"/>
-                </a:solidFill>
-              </a:rPr>
-              <a:t>カートページ</a:t>
-            </a:r>
-          </a:p>
-        </p:txBody>
-      </p:sp>
-      <p:sp>
-        <p:nvSpPr>
-          <p:cNvPr id="17" name="四角形: 角を丸くする 16">
-            <a:extLst>
-              <a:ext uri="{FF2B5EF4-FFF2-40B4-BE49-F238E27FC236}">
-                <a16:creationId xmlns:a16="http://schemas.microsoft.com/office/drawing/2014/main" id="{A6FC4996-E9B3-307B-4905-D75FE3F51601}"/>
-              </a:ext>
-            </a:extLst>
-          </p:cNvPr>
-          <p:cNvSpPr/>
-          <p:nvPr/>
-        </p:nvSpPr>
-        <p:spPr>
-          <a:xfrm>
-            <a:off x="8556464" y="3970427"/>
-            <a:ext cx="2045364" cy="585527"/>
-          </a:xfrm>
-          <a:prstGeom prst="roundRect">
-            <a:avLst/>
-          </a:prstGeom>
-          <a:ln>
-            <a:solidFill>
-              <a:schemeClr val="accent2"/>
-            </a:solidFill>
-          </a:ln>
-        </p:spPr>
-        <p:style>
-          <a:lnRef idx="2">
-            <a:schemeClr val="accent4"/>
-          </a:lnRef>
-          <a:fillRef idx="1">
-            <a:schemeClr val="lt1"/>
-          </a:fillRef>
-          <a:effectRef idx="0">
-            <a:schemeClr val="accent4"/>
-          </a:effectRef>
-          <a:fontRef idx="minor">
-            <a:schemeClr val="dk1"/>
-          </a:fontRef>
-        </p:style>
-        <p:txBody>
-          <a:bodyPr rtlCol="0" anchor="ctr"/>
-          <a:lstStyle/>
-          <a:p>
-            <a:pPr algn="ctr"/>
-            <a:r>
-              <a:rPr lang="ja-JP" altLang="en-US" dirty="0">
-                <a:solidFill>
-                  <a:schemeClr val="tx1"/>
-                </a:solidFill>
-              </a:rPr>
-              <a:t>注文確認ページ</a:t>
-            </a:r>
-            <a:endParaRPr kumimoji="1" lang="ja-JP" altLang="en-US" dirty="0">
-              <a:solidFill>
-                <a:schemeClr val="tx1"/>
-              </a:solidFill>
-            </a:endParaRPr>
-          </a:p>
-        </p:txBody>
-      </p:sp>
-      <p:sp>
-        <p:nvSpPr>
-          <p:cNvPr id="18" name="四角形: 角を丸くする 17">
-            <a:extLst>
-              <a:ext uri="{FF2B5EF4-FFF2-40B4-BE49-F238E27FC236}">
-                <a16:creationId xmlns:a16="http://schemas.microsoft.com/office/drawing/2014/main" id="{017C104F-ED04-E32C-7AC1-69337C2AF130}"/>
-              </a:ext>
-            </a:extLst>
-          </p:cNvPr>
-          <p:cNvSpPr/>
-          <p:nvPr/>
-        </p:nvSpPr>
-        <p:spPr>
-          <a:xfrm>
-            <a:off x="8556464" y="4916913"/>
-            <a:ext cx="2045364" cy="585527"/>
-          </a:xfrm>
-          <a:prstGeom prst="roundRect">
-            <a:avLst/>
-          </a:prstGeom>
-          <a:ln>
-            <a:solidFill>
-              <a:schemeClr val="accent2"/>
-            </a:solidFill>
-          </a:ln>
-        </p:spPr>
-        <p:style>
-          <a:lnRef idx="2">
-            <a:schemeClr val="accent4"/>
-          </a:lnRef>
-          <a:fillRef idx="1">
-            <a:schemeClr val="lt1"/>
-          </a:fillRef>
-          <a:effectRef idx="0">
-            <a:schemeClr val="accent4"/>
-          </a:effectRef>
-          <a:fontRef idx="minor">
-            <a:schemeClr val="dk1"/>
-          </a:fontRef>
-        </p:style>
-        <p:txBody>
-          <a:bodyPr rtlCol="0" anchor="ctr"/>
-          <a:lstStyle/>
-          <a:p>
-            <a:pPr algn="ctr"/>
-            <a:r>
-              <a:rPr lang="ja-JP" altLang="en-US" dirty="0">
-                <a:solidFill>
-                  <a:schemeClr val="tx1"/>
-                </a:solidFill>
-              </a:rPr>
-              <a:t>配送先・支払方法選択ページ</a:t>
-            </a:r>
-            <a:endParaRPr kumimoji="1" lang="ja-JP" altLang="en-US" dirty="0">
-              <a:solidFill>
-                <a:schemeClr val="tx1"/>
-              </a:solidFill>
-            </a:endParaRPr>
-          </a:p>
-        </p:txBody>
-      </p:sp>
-      <p:sp>
-        <p:nvSpPr>
-          <p:cNvPr id="19" name="四角形: 角を丸くする 18">
-            <a:extLst>
-              <a:ext uri="{FF2B5EF4-FFF2-40B4-BE49-F238E27FC236}">
-                <a16:creationId xmlns:a16="http://schemas.microsoft.com/office/drawing/2014/main" id="{0954F6BA-673B-E80F-2079-59AFCA7D891F}"/>
-              </a:ext>
-            </a:extLst>
-          </p:cNvPr>
-          <p:cNvSpPr/>
-          <p:nvPr/>
-        </p:nvSpPr>
-        <p:spPr>
-          <a:xfrm>
-            <a:off x="5630791" y="5863402"/>
-            <a:ext cx="2045364" cy="585527"/>
-          </a:xfrm>
-          <a:prstGeom prst="roundRect">
-            <a:avLst/>
-          </a:prstGeom>
-          <a:ln>
-            <a:solidFill>
-              <a:schemeClr val="accent2"/>
-            </a:solidFill>
-          </a:ln>
-        </p:spPr>
-        <p:style>
-          <a:lnRef idx="2">
-            <a:schemeClr val="accent4"/>
-          </a:lnRef>
-          <a:fillRef idx="1">
-            <a:schemeClr val="lt1"/>
-          </a:fillRef>
-          <a:effectRef idx="0">
-            <a:schemeClr val="accent4"/>
-          </a:effectRef>
-          <a:fontRef idx="minor">
-            <a:schemeClr val="dk1"/>
-          </a:fontRef>
-        </p:style>
-        <p:txBody>
-          <a:bodyPr rtlCol="0" anchor="ctr"/>
-          <a:lstStyle/>
-          <a:p>
-            <a:pPr algn="ctr"/>
-            <a:r>
-              <a:rPr lang="ja-JP" altLang="en-US" dirty="0">
-                <a:solidFill>
-                  <a:schemeClr val="tx1"/>
-                </a:solidFill>
-              </a:rPr>
-              <a:t>注文完了ページ</a:t>
-            </a:r>
-            <a:endParaRPr kumimoji="1" lang="ja-JP" altLang="en-US" dirty="0">
-              <a:solidFill>
-                <a:schemeClr val="tx1"/>
-              </a:solidFill>
-            </a:endParaRPr>
-          </a:p>
-        </p:txBody>
-      </p:sp>
-      <p:cxnSp>
-        <p:nvCxnSpPr>
-          <p:cNvPr id="21" name="直線矢印コネクタ 20">
-            <a:extLst>
-              <a:ext uri="{FF2B5EF4-FFF2-40B4-BE49-F238E27FC236}">
-                <a16:creationId xmlns:a16="http://schemas.microsoft.com/office/drawing/2014/main" id="{1A73B5D8-D135-E91C-FDBF-639093DCB62A}"/>
-              </a:ext>
-            </a:extLst>
-          </p:cNvPr>
-          <p:cNvCxnSpPr>
-            <a:stCxn id="5" idx="2"/>
-            <a:endCxn id="8" idx="0"/>
-          </p:cNvCxnSpPr>
-          <p:nvPr/>
-        </p:nvCxnSpPr>
-        <p:spPr>
-          <a:xfrm>
-            <a:off x="1487905" y="1716501"/>
-            <a:ext cx="0" cy="360958"/>
-          </a:xfrm>
-          <a:prstGeom prst="straightConnector1">
-            <a:avLst/>
-          </a:prstGeom>
-          <a:ln>
-            <a:tailEnd type="triangle"/>
-          </a:ln>
-        </p:spPr>
-        <p:style>
-          <a:lnRef idx="2">
-            <a:schemeClr val="accent1"/>
-          </a:lnRef>
-          <a:fillRef idx="0">
-            <a:schemeClr val="accent1"/>
-          </a:fillRef>
-          <a:effectRef idx="1">
-            <a:schemeClr val="accent1"/>
-          </a:effectRef>
-          <a:fontRef idx="minor">
-            <a:schemeClr val="tx1"/>
-          </a:fontRef>
-        </p:style>
-      </p:cxnSp>
-      <p:cxnSp>
-        <p:nvCxnSpPr>
-          <p:cNvPr id="22" name="直線矢印コネクタ 21">
-            <a:extLst>
-              <a:ext uri="{FF2B5EF4-FFF2-40B4-BE49-F238E27FC236}">
-                <a16:creationId xmlns:a16="http://schemas.microsoft.com/office/drawing/2014/main" id="{D75343B4-CD2B-83E8-CC9F-C862F79B424D}"/>
-              </a:ext>
-            </a:extLst>
-          </p:cNvPr>
-          <p:cNvCxnSpPr>
-            <a:cxnSpLocks/>
-            <a:stCxn id="8" idx="2"/>
-            <a:endCxn id="9" idx="0"/>
-          </p:cNvCxnSpPr>
-          <p:nvPr/>
-        </p:nvCxnSpPr>
-        <p:spPr>
-          <a:xfrm flipH="1">
-            <a:off x="1487904" y="2662986"/>
-            <a:ext cx="1" cy="360958"/>
-          </a:xfrm>
-          <a:prstGeom prst="straightConnector1">
-            <a:avLst/>
-          </a:prstGeom>
-          <a:ln>
-            <a:tailEnd type="triangle"/>
-          </a:ln>
-        </p:spPr>
-        <p:style>
-          <a:lnRef idx="2">
-            <a:schemeClr val="accent1"/>
-          </a:lnRef>
-          <a:fillRef idx="0">
-            <a:schemeClr val="accent1"/>
-          </a:fillRef>
-          <a:effectRef idx="1">
-            <a:schemeClr val="accent1"/>
-          </a:effectRef>
-          <a:fontRef idx="minor">
-            <a:schemeClr val="tx1"/>
-          </a:fontRef>
-        </p:style>
-      </p:cxnSp>
-      <p:cxnSp>
-        <p:nvCxnSpPr>
-          <p:cNvPr id="25" name="直線矢印コネクタ 24">
-            <a:extLst>
-              <a:ext uri="{FF2B5EF4-FFF2-40B4-BE49-F238E27FC236}">
-                <a16:creationId xmlns:a16="http://schemas.microsoft.com/office/drawing/2014/main" id="{3A227A4B-340C-D64F-0214-EB5FB1A71062}"/>
-              </a:ext>
-            </a:extLst>
-          </p:cNvPr>
-          <p:cNvCxnSpPr>
-            <a:cxnSpLocks/>
-            <a:stCxn id="9" idx="2"/>
-            <a:endCxn id="10" idx="0"/>
-          </p:cNvCxnSpPr>
-          <p:nvPr/>
-        </p:nvCxnSpPr>
-        <p:spPr>
-          <a:xfrm flipH="1">
-            <a:off x="1487903" y="3609471"/>
-            <a:ext cx="1" cy="360958"/>
-          </a:xfrm>
-          <a:prstGeom prst="straightConnector1">
-            <a:avLst/>
-          </a:prstGeom>
-          <a:ln>
-            <a:tailEnd type="triangle"/>
-          </a:ln>
-        </p:spPr>
-        <p:style>
-          <a:lnRef idx="2">
-            <a:schemeClr val="accent1"/>
-          </a:lnRef>
-          <a:fillRef idx="0">
-            <a:schemeClr val="accent1"/>
-          </a:fillRef>
-          <a:effectRef idx="1">
-            <a:schemeClr val="accent1"/>
-          </a:effectRef>
-          <a:fontRef idx="minor">
-            <a:schemeClr val="tx1"/>
-          </a:fontRef>
-        </p:style>
-      </p:cxnSp>
-      <p:cxnSp>
-        <p:nvCxnSpPr>
-          <p:cNvPr id="28" name="直線矢印コネクタ 27">
-            <a:extLst>
-              <a:ext uri="{FF2B5EF4-FFF2-40B4-BE49-F238E27FC236}">
-                <a16:creationId xmlns:a16="http://schemas.microsoft.com/office/drawing/2014/main" id="{3A62A702-144F-3315-6252-0E34F99ABCB0}"/>
-              </a:ext>
-            </a:extLst>
-          </p:cNvPr>
-          <p:cNvCxnSpPr>
-            <a:cxnSpLocks/>
-            <a:stCxn id="10" idx="2"/>
-            <a:endCxn id="11" idx="0"/>
-          </p:cNvCxnSpPr>
-          <p:nvPr/>
-        </p:nvCxnSpPr>
-        <p:spPr>
-          <a:xfrm>
-            <a:off x="1487903" y="4555956"/>
-            <a:ext cx="0" cy="360958"/>
-          </a:xfrm>
-          <a:prstGeom prst="straightConnector1">
-            <a:avLst/>
-          </a:prstGeom>
-          <a:ln>
-            <a:tailEnd type="triangle"/>
-          </a:ln>
-        </p:spPr>
-        <p:style>
-          <a:lnRef idx="2">
-            <a:schemeClr val="accent1"/>
-          </a:lnRef>
-          <a:fillRef idx="0">
-            <a:schemeClr val="accent1"/>
-          </a:fillRef>
-          <a:effectRef idx="1">
-            <a:schemeClr val="accent1"/>
-          </a:effectRef>
-          <a:fontRef idx="minor">
-            <a:schemeClr val="tx1"/>
-          </a:fontRef>
-        </p:style>
-      </p:cxnSp>
-      <p:sp>
-        <p:nvSpPr>
-          <p:cNvPr id="31" name="テキスト ボックス 30">
-            <a:extLst>
-              <a:ext uri="{FF2B5EF4-FFF2-40B4-BE49-F238E27FC236}">
-                <a16:creationId xmlns:a16="http://schemas.microsoft.com/office/drawing/2014/main" id="{4F4C545F-8F26-EFC3-ED7E-576C65A76865}"/>
-              </a:ext>
-            </a:extLst>
-          </p:cNvPr>
-          <p:cNvSpPr txBox="1"/>
-          <p:nvPr/>
-        </p:nvSpPr>
-        <p:spPr>
-          <a:xfrm>
-            <a:off x="1636295" y="1778667"/>
-            <a:ext cx="874268" cy="276999"/>
-          </a:xfrm>
-          <a:prstGeom prst="rect">
-            <a:avLst/>
-          </a:prstGeom>
-          <a:noFill/>
-        </p:spPr>
-        <p:txBody>
-          <a:bodyPr wrap="square" rtlCol="0">
-            <a:spAutoFit/>
-          </a:bodyPr>
-          <a:lstStyle/>
-          <a:p>
-            <a:r>
-              <a:rPr lang="ja-JP" altLang="en-US" sz="1200" dirty="0"/>
-              <a:t>会員登録</a:t>
-            </a:r>
-            <a:endParaRPr kumimoji="1" lang="ja-JP" altLang="en-US" sz="1200" dirty="0"/>
-          </a:p>
-        </p:txBody>
-      </p:sp>
-      <p:sp>
-        <p:nvSpPr>
-          <p:cNvPr id="32" name="テキスト ボックス 31">
-            <a:extLst>
-              <a:ext uri="{FF2B5EF4-FFF2-40B4-BE49-F238E27FC236}">
-                <a16:creationId xmlns:a16="http://schemas.microsoft.com/office/drawing/2014/main" id="{B7359804-75C0-A2A8-0509-C51237EC66F7}"/>
-              </a:ext>
-            </a:extLst>
-          </p:cNvPr>
-          <p:cNvSpPr txBox="1"/>
-          <p:nvPr/>
-        </p:nvSpPr>
-        <p:spPr>
-          <a:xfrm>
-            <a:off x="1636295" y="2723288"/>
-            <a:ext cx="874268" cy="276999"/>
-          </a:xfrm>
-          <a:prstGeom prst="rect">
-            <a:avLst/>
-          </a:prstGeom>
-          <a:noFill/>
-        </p:spPr>
-        <p:txBody>
-          <a:bodyPr wrap="square" rtlCol="0">
-            <a:spAutoFit/>
-          </a:bodyPr>
-          <a:lstStyle/>
-          <a:p>
-            <a:r>
-              <a:rPr kumimoji="1" lang="ja-JP" altLang="en-US" sz="1200" dirty="0"/>
-              <a:t>登録完了</a:t>
-            </a:r>
-          </a:p>
-        </p:txBody>
-      </p:sp>
-      <p:sp>
-        <p:nvSpPr>
-          <p:cNvPr id="33" name="テキスト ボックス 32">
-            <a:extLst>
-              <a:ext uri="{FF2B5EF4-FFF2-40B4-BE49-F238E27FC236}">
-                <a16:creationId xmlns:a16="http://schemas.microsoft.com/office/drawing/2014/main" id="{353C0F4B-0E56-FD99-FB8C-01E1078479C7}"/>
-              </a:ext>
-            </a:extLst>
-          </p:cNvPr>
-          <p:cNvSpPr txBox="1"/>
-          <p:nvPr/>
-        </p:nvSpPr>
-        <p:spPr>
-          <a:xfrm>
-            <a:off x="1636295" y="3657196"/>
-            <a:ext cx="874268" cy="276999"/>
-          </a:xfrm>
-          <a:prstGeom prst="rect">
-            <a:avLst/>
-          </a:prstGeom>
-          <a:noFill/>
-        </p:spPr>
-        <p:txBody>
-          <a:bodyPr wrap="square" rtlCol="0">
-            <a:spAutoFit/>
-          </a:bodyPr>
-          <a:lstStyle/>
-          <a:p>
-            <a:r>
-              <a:rPr lang="ja-JP" altLang="en-US" sz="1200" dirty="0"/>
-              <a:t>注文履歴</a:t>
-            </a:r>
-            <a:endParaRPr kumimoji="1" lang="ja-JP" altLang="en-US" sz="1200" dirty="0"/>
-          </a:p>
-        </p:txBody>
-      </p:sp>
-      <p:sp>
-        <p:nvSpPr>
-          <p:cNvPr id="34" name="テキスト ボックス 33">
-            <a:extLst>
-              <a:ext uri="{FF2B5EF4-FFF2-40B4-BE49-F238E27FC236}">
-                <a16:creationId xmlns:a16="http://schemas.microsoft.com/office/drawing/2014/main" id="{CF7D15A2-2A63-4AD2-67D6-91DE9A7104BB}"/>
-              </a:ext>
-            </a:extLst>
-          </p:cNvPr>
-          <p:cNvSpPr txBox="1"/>
-          <p:nvPr/>
-        </p:nvSpPr>
-        <p:spPr>
-          <a:xfrm>
-            <a:off x="1636295" y="4620256"/>
-            <a:ext cx="874268" cy="276999"/>
-          </a:xfrm>
-          <a:prstGeom prst="rect">
-            <a:avLst/>
-          </a:prstGeom>
-          <a:noFill/>
-        </p:spPr>
-        <p:txBody>
-          <a:bodyPr wrap="square" rtlCol="0">
-            <a:spAutoFit/>
-          </a:bodyPr>
-          <a:lstStyle/>
-          <a:p>
-            <a:r>
-              <a:rPr lang="ja-JP" altLang="en-US" sz="1200" dirty="0"/>
-              <a:t>注文選択</a:t>
-            </a:r>
-            <a:endParaRPr kumimoji="1" lang="ja-JP" altLang="en-US" sz="1200" dirty="0"/>
-          </a:p>
-        </p:txBody>
-      </p:sp>
-      <p:cxnSp>
-        <p:nvCxnSpPr>
-          <p:cNvPr id="38" name="コネクタ: カギ線 37">
-            <a:extLst>
-              <a:ext uri="{FF2B5EF4-FFF2-40B4-BE49-F238E27FC236}">
-                <a16:creationId xmlns:a16="http://schemas.microsoft.com/office/drawing/2014/main" id="{9DD93E7D-088D-4DC6-C667-F4F57D0A7E65}"/>
-              </a:ext>
-            </a:extLst>
-          </p:cNvPr>
-          <p:cNvCxnSpPr>
-            <a:cxnSpLocks/>
-            <a:stCxn id="5" idx="3"/>
-            <a:endCxn id="6" idx="0"/>
-          </p:cNvCxnSpPr>
-          <p:nvPr/>
-        </p:nvCxnSpPr>
-        <p:spPr>
-          <a:xfrm>
-            <a:off x="2510587" y="1423738"/>
-            <a:ext cx="1412714" cy="705862"/>
-          </a:xfrm>
-          <a:prstGeom prst="bentConnector2">
-            <a:avLst/>
-          </a:prstGeom>
-          <a:ln>
-            <a:tailEnd type="triangle"/>
-          </a:ln>
-        </p:spPr>
-        <p:style>
-          <a:lnRef idx="2">
-            <a:schemeClr val="accent1"/>
-          </a:lnRef>
-          <a:fillRef idx="0">
-            <a:schemeClr val="accent1"/>
-          </a:fillRef>
-          <a:effectRef idx="1">
-            <a:schemeClr val="accent1"/>
-          </a:effectRef>
-          <a:fontRef idx="minor">
-            <a:schemeClr val="tx1"/>
-          </a:fontRef>
-        </p:style>
-      </p:cxnSp>
-      <p:sp>
-        <p:nvSpPr>
-          <p:cNvPr id="40" name="テキスト ボックス 39">
-            <a:extLst>
-              <a:ext uri="{FF2B5EF4-FFF2-40B4-BE49-F238E27FC236}">
-                <a16:creationId xmlns:a16="http://schemas.microsoft.com/office/drawing/2014/main" id="{C53BBCFA-CF98-A5F2-B298-D8B7796CE04A}"/>
-              </a:ext>
-            </a:extLst>
-          </p:cNvPr>
-          <p:cNvSpPr txBox="1"/>
-          <p:nvPr/>
-        </p:nvSpPr>
-        <p:spPr>
-          <a:xfrm>
-            <a:off x="2679520" y="1206898"/>
-            <a:ext cx="874268" cy="276999"/>
-          </a:xfrm>
-          <a:prstGeom prst="rect">
-            <a:avLst/>
-          </a:prstGeom>
-          <a:noFill/>
-        </p:spPr>
-        <p:txBody>
-          <a:bodyPr wrap="square" rtlCol="0">
-            <a:spAutoFit/>
-          </a:bodyPr>
-          <a:lstStyle/>
-          <a:p>
-            <a:r>
-              <a:rPr kumimoji="1" lang="ja-JP" altLang="en-US" sz="1200" dirty="0"/>
-              <a:t>ログイン</a:t>
-            </a:r>
-          </a:p>
-        </p:txBody>
-      </p:sp>
-      <p:sp>
-        <p:nvSpPr>
-          <p:cNvPr id="41" name="テキスト ボックス 40">
-            <a:extLst>
-              <a:ext uri="{FF2B5EF4-FFF2-40B4-BE49-F238E27FC236}">
-                <a16:creationId xmlns:a16="http://schemas.microsoft.com/office/drawing/2014/main" id="{B0784DB1-DB3D-D8A8-189E-13BD4449D69C}"/>
-              </a:ext>
-            </a:extLst>
-          </p:cNvPr>
-          <p:cNvSpPr txBox="1"/>
-          <p:nvPr/>
-        </p:nvSpPr>
-        <p:spPr>
-          <a:xfrm>
-            <a:off x="2605329" y="3099732"/>
-            <a:ext cx="1198167" cy="276999"/>
-          </a:xfrm>
-          <a:prstGeom prst="rect">
-            <a:avLst/>
-          </a:prstGeom>
-          <a:noFill/>
-        </p:spPr>
-        <p:txBody>
-          <a:bodyPr wrap="square" rtlCol="0">
-            <a:spAutoFit/>
-          </a:bodyPr>
-          <a:lstStyle/>
-          <a:p>
-            <a:r>
-              <a:rPr kumimoji="1" lang="ja-JP" altLang="en-US" sz="1200" dirty="0"/>
-              <a:t>ログイン成功</a:t>
-            </a:r>
-          </a:p>
-        </p:txBody>
-      </p:sp>
-      <p:cxnSp>
-        <p:nvCxnSpPr>
-          <p:cNvPr id="48" name="コネクタ: カギ線 47">
-            <a:extLst>
-              <a:ext uri="{FF2B5EF4-FFF2-40B4-BE49-F238E27FC236}">
-                <a16:creationId xmlns:a16="http://schemas.microsoft.com/office/drawing/2014/main" id="{BD4DBA4E-A7A2-5481-67F6-B38C2A37F280}"/>
-              </a:ext>
-            </a:extLst>
-          </p:cNvPr>
-          <p:cNvCxnSpPr>
-            <a:cxnSpLocks/>
-            <a:stCxn id="6" idx="2"/>
-          </p:cNvCxnSpPr>
-          <p:nvPr/>
-        </p:nvCxnSpPr>
-        <p:spPr>
-          <a:xfrm rot="5400000">
-            <a:off x="2864000" y="2361688"/>
-            <a:ext cx="705862" cy="1412740"/>
-          </a:xfrm>
-          <a:prstGeom prst="bentConnector2">
-            <a:avLst/>
-          </a:prstGeom>
-          <a:ln>
-            <a:tailEnd type="triangle"/>
-          </a:ln>
-        </p:spPr>
-        <p:style>
-          <a:lnRef idx="2">
-            <a:schemeClr val="accent1"/>
-          </a:lnRef>
-          <a:fillRef idx="0">
-            <a:schemeClr val="accent1"/>
-          </a:fillRef>
-          <a:effectRef idx="1">
-            <a:schemeClr val="accent1"/>
-          </a:effectRef>
-          <a:fontRef idx="minor">
-            <a:schemeClr val="tx1"/>
-          </a:fontRef>
-        </p:style>
-      </p:cxnSp>
-      <p:cxnSp>
-        <p:nvCxnSpPr>
-          <p:cNvPr id="51" name="コネクタ: カギ線 50">
-            <a:extLst>
-              <a:ext uri="{FF2B5EF4-FFF2-40B4-BE49-F238E27FC236}">
-                <a16:creationId xmlns:a16="http://schemas.microsoft.com/office/drawing/2014/main" id="{9AF61F1B-1473-1148-BB21-287046A976E5}"/>
-              </a:ext>
-            </a:extLst>
-          </p:cNvPr>
-          <p:cNvCxnSpPr>
-            <a:cxnSpLocks/>
-            <a:stCxn id="5" idx="1"/>
-          </p:cNvCxnSpPr>
-          <p:nvPr/>
-        </p:nvCxnSpPr>
-        <p:spPr>
-          <a:xfrm rot="10800000" flipH="1" flipV="1">
-            <a:off x="465223" y="1423737"/>
-            <a:ext cx="1022680" cy="5097369"/>
-          </a:xfrm>
-          <a:prstGeom prst="bentConnector4">
-            <a:avLst>
-              <a:gd name="adj1" fmla="val -22353"/>
-              <a:gd name="adj2" fmla="val 103856"/>
-            </a:avLst>
-          </a:prstGeom>
-          <a:ln>
-            <a:tailEnd type="triangle"/>
-          </a:ln>
-        </p:spPr>
-        <p:style>
-          <a:lnRef idx="2">
-            <a:schemeClr val="accent1"/>
-          </a:lnRef>
-          <a:fillRef idx="0">
-            <a:schemeClr val="accent1"/>
-          </a:fillRef>
-          <a:effectRef idx="1">
-            <a:schemeClr val="accent1"/>
-          </a:effectRef>
-          <a:fontRef idx="minor">
-            <a:schemeClr val="tx1"/>
-          </a:fontRef>
-        </p:style>
-      </p:cxnSp>
-      <p:sp>
-        <p:nvSpPr>
-          <p:cNvPr id="55" name="テキスト ボックス 54">
-            <a:extLst>
-              <a:ext uri="{FF2B5EF4-FFF2-40B4-BE49-F238E27FC236}">
-                <a16:creationId xmlns:a16="http://schemas.microsoft.com/office/drawing/2014/main" id="{6141CCBF-22BE-292C-5609-C2942EBDD758}"/>
-              </a:ext>
-            </a:extLst>
-          </p:cNvPr>
-          <p:cNvSpPr txBox="1"/>
-          <p:nvPr/>
-        </p:nvSpPr>
-        <p:spPr>
-          <a:xfrm>
-            <a:off x="1600701" y="6518833"/>
-            <a:ext cx="1299918" cy="276999"/>
-          </a:xfrm>
-          <a:prstGeom prst="rect">
-            <a:avLst/>
-          </a:prstGeom>
-          <a:noFill/>
-        </p:spPr>
-        <p:txBody>
-          <a:bodyPr wrap="square" rtlCol="0">
-            <a:spAutoFit/>
-          </a:bodyPr>
-          <a:lstStyle/>
-          <a:p>
-            <a:r>
-              <a:rPr kumimoji="1" lang="ja-JP" altLang="en-US" sz="1200" dirty="0"/>
-              <a:t>会員情報収集</a:t>
-            </a:r>
-          </a:p>
-        </p:txBody>
-      </p:sp>
-      <p:cxnSp>
-        <p:nvCxnSpPr>
-          <p:cNvPr id="56" name="コネクタ: カギ線 55">
-            <a:extLst>
-              <a:ext uri="{FF2B5EF4-FFF2-40B4-BE49-F238E27FC236}">
-                <a16:creationId xmlns:a16="http://schemas.microsoft.com/office/drawing/2014/main" id="{0C286C89-8ED1-AE75-B5B9-387A1415CF8F}"/>
-              </a:ext>
-            </a:extLst>
-          </p:cNvPr>
-          <p:cNvCxnSpPr>
-            <a:cxnSpLocks/>
-            <a:stCxn id="5" idx="0"/>
-            <a:endCxn id="13" idx="0"/>
-          </p:cNvCxnSpPr>
-          <p:nvPr/>
-        </p:nvCxnSpPr>
-        <p:spPr>
-          <a:xfrm rot="16200000" flipH="1">
-            <a:off x="4039606" y="-1420727"/>
-            <a:ext cx="62166" cy="5165568"/>
-          </a:xfrm>
-          <a:prstGeom prst="bentConnector3">
-            <a:avLst>
-              <a:gd name="adj1" fmla="val -367725"/>
-            </a:avLst>
-          </a:prstGeom>
-          <a:ln>
-            <a:tailEnd type="triangle"/>
-          </a:ln>
-        </p:spPr>
-        <p:style>
-          <a:lnRef idx="2">
-            <a:schemeClr val="accent1"/>
-          </a:lnRef>
-          <a:fillRef idx="0">
-            <a:schemeClr val="accent1"/>
-          </a:fillRef>
-          <a:effectRef idx="1">
-            <a:schemeClr val="accent1"/>
-          </a:effectRef>
-          <a:fontRef idx="minor">
-            <a:schemeClr val="tx1"/>
-          </a:fontRef>
-        </p:style>
-      </p:cxnSp>
-      <p:sp>
-        <p:nvSpPr>
-          <p:cNvPr id="59" name="テキスト ボックス 58">
-            <a:extLst>
-              <a:ext uri="{FF2B5EF4-FFF2-40B4-BE49-F238E27FC236}">
-                <a16:creationId xmlns:a16="http://schemas.microsoft.com/office/drawing/2014/main" id="{764525EF-1B3A-B5E5-3A62-1E4605EA2154}"/>
-              </a:ext>
-            </a:extLst>
-          </p:cNvPr>
-          <p:cNvSpPr txBox="1"/>
-          <p:nvPr/>
-        </p:nvSpPr>
-        <p:spPr>
-          <a:xfrm>
-            <a:off x="3340781" y="697167"/>
-            <a:ext cx="1459816" cy="276999"/>
-          </a:xfrm>
-          <a:prstGeom prst="rect">
-            <a:avLst/>
-          </a:prstGeom>
-          <a:noFill/>
-        </p:spPr>
-        <p:txBody>
-          <a:bodyPr wrap="square" rtlCol="0">
-            <a:spAutoFit/>
-          </a:bodyPr>
-          <a:lstStyle/>
-          <a:p>
-            <a:r>
-              <a:rPr kumimoji="1" lang="ja-JP" altLang="en-US" sz="1200" dirty="0"/>
-              <a:t>検索　カテゴリ</a:t>
-            </a:r>
-          </a:p>
-        </p:txBody>
-      </p:sp>
-      <p:cxnSp>
-        <p:nvCxnSpPr>
-          <p:cNvPr id="60" name="コネクタ: カギ線 59">
-            <a:extLst>
-              <a:ext uri="{FF2B5EF4-FFF2-40B4-BE49-F238E27FC236}">
-                <a16:creationId xmlns:a16="http://schemas.microsoft.com/office/drawing/2014/main" id="{AA96194D-DB79-7B99-C217-8CAD384EECE6}"/>
-              </a:ext>
-            </a:extLst>
-          </p:cNvPr>
-          <p:cNvCxnSpPr>
-            <a:cxnSpLocks/>
-            <a:stCxn id="5" idx="0"/>
-            <a:endCxn id="14" idx="0"/>
-          </p:cNvCxnSpPr>
-          <p:nvPr/>
-        </p:nvCxnSpPr>
-        <p:spPr>
-          <a:xfrm rot="5400000" flipH="1" flipV="1">
-            <a:off x="5533525" y="-2914646"/>
-            <a:ext cx="1" cy="8091241"/>
-          </a:xfrm>
-          <a:prstGeom prst="bentConnector3">
-            <a:avLst>
-              <a:gd name="adj1" fmla="val 22860100000"/>
-            </a:avLst>
-          </a:prstGeom>
-          <a:ln>
-            <a:tailEnd type="triangle"/>
-          </a:ln>
-        </p:spPr>
-        <p:style>
-          <a:lnRef idx="2">
-            <a:schemeClr val="accent1"/>
-          </a:lnRef>
-          <a:fillRef idx="0">
-            <a:schemeClr val="accent1"/>
-          </a:fillRef>
-          <a:effectRef idx="1">
-            <a:schemeClr val="accent1"/>
-          </a:effectRef>
-          <a:fontRef idx="minor">
-            <a:schemeClr val="tx1"/>
-          </a:fontRef>
-        </p:style>
-      </p:cxnSp>
-      <p:cxnSp>
-        <p:nvCxnSpPr>
-          <p:cNvPr id="64" name="直線矢印コネクタ 63">
-            <a:extLst>
-              <a:ext uri="{FF2B5EF4-FFF2-40B4-BE49-F238E27FC236}">
-                <a16:creationId xmlns:a16="http://schemas.microsoft.com/office/drawing/2014/main" id="{8E283BD1-3590-1D1E-7B3C-B12072DF7FAD}"/>
-              </a:ext>
-            </a:extLst>
-          </p:cNvPr>
-          <p:cNvCxnSpPr>
-            <a:cxnSpLocks/>
-            <a:stCxn id="13" idx="2"/>
-            <a:endCxn id="15" idx="0"/>
-          </p:cNvCxnSpPr>
-          <p:nvPr/>
-        </p:nvCxnSpPr>
-        <p:spPr>
-          <a:xfrm>
-            <a:off x="6653473" y="1778667"/>
-            <a:ext cx="0" cy="1245277"/>
-          </a:xfrm>
-          <a:prstGeom prst="straightConnector1">
-            <a:avLst/>
-          </a:prstGeom>
-          <a:ln>
-            <a:tailEnd type="triangle"/>
-          </a:ln>
-        </p:spPr>
-        <p:style>
-          <a:lnRef idx="2">
-            <a:schemeClr val="accent1"/>
-          </a:lnRef>
-          <a:fillRef idx="0">
-            <a:schemeClr val="accent1"/>
-          </a:fillRef>
-          <a:effectRef idx="1">
-            <a:schemeClr val="accent1"/>
-          </a:effectRef>
-          <a:fontRef idx="minor">
-            <a:schemeClr val="tx1"/>
-          </a:fontRef>
-        </p:style>
-      </p:cxnSp>
-      <p:cxnSp>
-        <p:nvCxnSpPr>
-          <p:cNvPr id="70" name="直線矢印コネクタ 69">
-            <a:extLst>
-              <a:ext uri="{FF2B5EF4-FFF2-40B4-BE49-F238E27FC236}">
-                <a16:creationId xmlns:a16="http://schemas.microsoft.com/office/drawing/2014/main" id="{B19A5F95-8058-E1B1-9719-A002D3C23E2E}"/>
-              </a:ext>
-            </a:extLst>
-          </p:cNvPr>
-          <p:cNvCxnSpPr>
-            <a:cxnSpLocks/>
-          </p:cNvCxnSpPr>
-          <p:nvPr/>
-        </p:nvCxnSpPr>
-        <p:spPr>
-          <a:xfrm flipH="1">
-            <a:off x="6653450" y="3609471"/>
-            <a:ext cx="1" cy="360958"/>
-          </a:xfrm>
-          <a:prstGeom prst="straightConnector1">
-            <a:avLst/>
-          </a:prstGeom>
-          <a:ln>
             <a:tailEnd type="triangle"/>
           </a:ln>
         </p:spPr>
@@ -7770,26 +4671,29 @@
           <p:cNvPr id="73" name="直線矢印コネクタ 72">
             <a:extLst>
               <a:ext uri="{FF2B5EF4-FFF2-40B4-BE49-F238E27FC236}">
-                <a16:creationId xmlns:a16="http://schemas.microsoft.com/office/drawing/2014/main" id="{A0AB236C-D25E-B6D6-4EF9-849FB60A0B2B}"/>
+                <a16:creationId xmlns:a16="http://schemas.microsoft.com/office/drawing/2014/main" id="{8A5C4AD7-E7FC-4AF4-D7DD-72FF60C566E5}"/>
               </a:ext>
             </a:extLst>
           </p:cNvPr>
           <p:cNvCxnSpPr>
             <a:cxnSpLocks/>
-            <a:stCxn id="17" idx="2"/>
-            <a:endCxn id="18" idx="0"/>
+            <a:stCxn id="16" idx="2"/>
+            <a:endCxn id="24" idx="0"/>
           </p:cNvCxnSpPr>
           <p:nvPr/>
         </p:nvCxnSpPr>
         <p:spPr>
           <a:xfrm>
-            <a:off x="9579146" y="4555954"/>
-            <a:ext cx="0" cy="360959"/>
+            <a:off x="8624770" y="3853391"/>
+            <a:ext cx="0" cy="511175"/>
           </a:xfrm>
           <a:prstGeom prst="straightConnector1">
             <a:avLst/>
           </a:prstGeom>
           <a:ln>
+            <a:solidFill>
+              <a:schemeClr val="tx1"/>
+            </a:solidFill>
             <a:tailEnd type="triangle"/>
           </a:ln>
         </p:spPr>
@@ -7810,29 +4714,32 @@
       </p:cxnSp>
       <p:cxnSp>
         <p:nvCxnSpPr>
-          <p:cNvPr id="76" name="直線矢印コネクタ 75">
-            <a:extLst>
-              <a:ext uri="{FF2B5EF4-FFF2-40B4-BE49-F238E27FC236}">
-                <a16:creationId xmlns:a16="http://schemas.microsoft.com/office/drawing/2014/main" id="{9CB125D0-646F-E108-51DB-5D768A8294AC}"/>
+          <p:cNvPr id="81" name="直線矢印コネクタ 80">
+            <a:extLst>
+              <a:ext uri="{FF2B5EF4-FFF2-40B4-BE49-F238E27FC236}">
+                <a16:creationId xmlns:a16="http://schemas.microsoft.com/office/drawing/2014/main" id="{0E10C8F0-2C2E-023F-1FE9-57E803D31FF7}"/>
               </a:ext>
             </a:extLst>
           </p:cNvPr>
           <p:cNvCxnSpPr>
             <a:cxnSpLocks/>
-            <a:stCxn id="16" idx="3"/>
-            <a:endCxn id="17" idx="1"/>
+            <a:stCxn id="24" idx="1"/>
+            <a:endCxn id="26" idx="3"/>
           </p:cNvCxnSpPr>
           <p:nvPr/>
         </p:nvCxnSpPr>
         <p:spPr>
-          <a:xfrm flipV="1">
-            <a:off x="7676155" y="4263191"/>
-            <a:ext cx="880309" cy="1"/>
+          <a:xfrm flipH="1">
+            <a:off x="6921498" y="4593166"/>
+            <a:ext cx="877772" cy="0"/>
           </a:xfrm>
           <a:prstGeom prst="straightConnector1">
             <a:avLst/>
           </a:prstGeom>
           <a:ln>
+            <a:solidFill>
+              <a:schemeClr val="tx1"/>
+            </a:solidFill>
             <a:tailEnd type="triangle"/>
           </a:ln>
         </p:spPr>
@@ -7851,55 +4758,12 @@
           </a:fontRef>
         </p:style>
       </p:cxnSp>
-      <p:cxnSp>
-        <p:nvCxnSpPr>
-          <p:cNvPr id="79" name="直線矢印コネクタ 78">
-            <a:extLst>
-              <a:ext uri="{FF2B5EF4-FFF2-40B4-BE49-F238E27FC236}">
-                <a16:creationId xmlns:a16="http://schemas.microsoft.com/office/drawing/2014/main" id="{9CCA9EC9-EEA3-B47D-3460-97BF36D4952A}"/>
-              </a:ext>
-            </a:extLst>
-          </p:cNvPr>
-          <p:cNvCxnSpPr>
-            <a:cxnSpLocks/>
-            <a:stCxn id="19" idx="1"/>
-            <a:endCxn id="12" idx="3"/>
-          </p:cNvCxnSpPr>
-          <p:nvPr/>
-        </p:nvCxnSpPr>
-        <p:spPr>
-          <a:xfrm flipH="1" flipV="1">
-            <a:off x="2510585" y="6156163"/>
-            <a:ext cx="3120206" cy="3"/>
-          </a:xfrm>
-          <a:prstGeom prst="straightConnector1">
-            <a:avLst/>
-          </a:prstGeom>
-          <a:ln>
-            <a:tailEnd type="triangle"/>
-          </a:ln>
-        </p:spPr>
-        <p:style>
-          <a:lnRef idx="2">
-            <a:schemeClr val="accent1"/>
-          </a:lnRef>
-          <a:fillRef idx="0">
-            <a:schemeClr val="accent1"/>
-          </a:fillRef>
-          <a:effectRef idx="1">
-            <a:schemeClr val="accent1"/>
-          </a:effectRef>
-          <a:fontRef idx="minor">
-            <a:schemeClr val="tx1"/>
-          </a:fontRef>
-        </p:style>
-      </p:cxnSp>
-      <p:sp>
-        <p:nvSpPr>
-          <p:cNvPr id="82" name="テキスト ボックス 81">
-            <a:extLst>
-              <a:ext uri="{FF2B5EF4-FFF2-40B4-BE49-F238E27FC236}">
-                <a16:creationId xmlns:a16="http://schemas.microsoft.com/office/drawing/2014/main" id="{BB0975B8-D708-B83A-B8AC-11364D525B9E}"/>
+      <p:sp>
+        <p:nvSpPr>
+          <p:cNvPr id="84" name="テキスト ボックス 83">
+            <a:extLst>
+              <a:ext uri="{FF2B5EF4-FFF2-40B4-BE49-F238E27FC236}">
+                <a16:creationId xmlns:a16="http://schemas.microsoft.com/office/drawing/2014/main" id="{27C98422-7187-7505-201C-F596FABDF87F}"/>
               </a:ext>
             </a:extLst>
           </p:cNvPr>
@@ -7908,8 +4772,8 @@
         </p:nvSpPr>
         <p:spPr>
           <a:xfrm>
-            <a:off x="6653426" y="3651451"/>
-            <a:ext cx="1159065" cy="276999"/>
+            <a:off x="7086064" y="3224884"/>
+            <a:ext cx="548640" cy="276999"/>
           </a:xfrm>
           <a:prstGeom prst="rect">
             <a:avLst/>
@@ -7924,7 +4788,7 @@
           <a:p>
             <a:r>
               <a:rPr lang="ja-JP" altLang="en-US" sz="1200" dirty="0"/>
-              <a:t>カートに追加</a:t>
+              <a:t>はい</a:t>
             </a:r>
             <a:endParaRPr kumimoji="1" lang="ja-JP" altLang="en-US" sz="1200" dirty="0"/>
           </a:p>
@@ -7932,10 +4796,10 @@
       </p:sp>
       <p:sp>
         <p:nvSpPr>
-          <p:cNvPr id="83" name="テキスト ボックス 82">
-            <a:extLst>
-              <a:ext uri="{FF2B5EF4-FFF2-40B4-BE49-F238E27FC236}">
-                <a16:creationId xmlns:a16="http://schemas.microsoft.com/office/drawing/2014/main" id="{A6FFBBB5-0D49-76F5-1509-1767D0A31D26}"/>
+          <p:cNvPr id="85" name="テキスト ボックス 84">
+            <a:extLst>
+              <a:ext uri="{FF2B5EF4-FFF2-40B4-BE49-F238E27FC236}">
+                <a16:creationId xmlns:a16="http://schemas.microsoft.com/office/drawing/2014/main" id="{29562159-F4C9-34D6-BEBA-F8A118A9FE6F}"/>
               </a:ext>
             </a:extLst>
           </p:cNvPr>
@@ -7944,8 +4808,8 @@
         </p:nvSpPr>
         <p:spPr>
           <a:xfrm>
-            <a:off x="9653353" y="4597934"/>
-            <a:ext cx="874268" cy="276999"/>
+            <a:off x="6089846" y="4023260"/>
+            <a:ext cx="667085" cy="276999"/>
           </a:xfrm>
           <a:prstGeom prst="rect">
             <a:avLst/>
@@ -7959,285 +4823,16 @@
           <a:lstStyle/>
           <a:p>
             <a:r>
-              <a:rPr lang="ja-JP" altLang="en-US" sz="1200" dirty="0"/>
-              <a:t>次へ</a:t>
-            </a:r>
-            <a:endParaRPr kumimoji="1" lang="ja-JP" altLang="en-US" sz="1200" dirty="0"/>
-          </a:p>
-        </p:txBody>
-      </p:sp>
-      <p:cxnSp>
-        <p:nvCxnSpPr>
-          <p:cNvPr id="84" name="コネクタ: カギ線 83">
-            <a:extLst>
-              <a:ext uri="{FF2B5EF4-FFF2-40B4-BE49-F238E27FC236}">
-                <a16:creationId xmlns:a16="http://schemas.microsoft.com/office/drawing/2014/main" id="{68A9AC1E-A742-9BE0-939F-F2E7E29C6F03}"/>
-              </a:ext>
-            </a:extLst>
-          </p:cNvPr>
-          <p:cNvCxnSpPr>
-            <a:cxnSpLocks/>
-            <a:stCxn id="18" idx="2"/>
-            <a:endCxn id="19" idx="3"/>
-          </p:cNvCxnSpPr>
-          <p:nvPr/>
-        </p:nvCxnSpPr>
-        <p:spPr>
-          <a:xfrm rot="5400000">
-            <a:off x="8300788" y="4877808"/>
-            <a:ext cx="653726" cy="1902991"/>
-          </a:xfrm>
-          <a:prstGeom prst="bentConnector2">
-            <a:avLst/>
-          </a:prstGeom>
-          <a:ln>
-            <a:tailEnd type="triangle"/>
-          </a:ln>
-        </p:spPr>
-        <p:style>
-          <a:lnRef idx="2">
-            <a:schemeClr val="accent1"/>
-          </a:lnRef>
-          <a:fillRef idx="0">
-            <a:schemeClr val="accent1"/>
-          </a:fillRef>
-          <a:effectRef idx="1">
-            <a:schemeClr val="accent1"/>
-          </a:effectRef>
-          <a:fontRef idx="minor">
-            <a:schemeClr val="tx1"/>
-          </a:fontRef>
-        </p:style>
-      </p:cxnSp>
-      <p:sp>
-        <p:nvSpPr>
-          <p:cNvPr id="87" name="テキスト ボックス 86">
-            <a:extLst>
-              <a:ext uri="{FF2B5EF4-FFF2-40B4-BE49-F238E27FC236}">
-                <a16:creationId xmlns:a16="http://schemas.microsoft.com/office/drawing/2014/main" id="{0C4EC269-3B64-33B2-EC1F-B7E09F82989B}"/>
-              </a:ext>
-            </a:extLst>
-          </p:cNvPr>
-          <p:cNvSpPr txBox="1"/>
-          <p:nvPr/>
-        </p:nvSpPr>
-        <p:spPr>
-          <a:xfrm>
-            <a:off x="9653353" y="5875157"/>
-            <a:ext cx="874268" cy="276999"/>
-          </a:xfrm>
-          <a:prstGeom prst="rect">
-            <a:avLst/>
-          </a:prstGeom>
-          <a:noFill/>
-        </p:spPr>
-        <p:txBody>
-          <a:bodyPr wrap="square" rtlCol="0">
-            <a:spAutoFit/>
-          </a:bodyPr>
-          <a:lstStyle/>
-          <a:p>
-            <a:r>
               <a:rPr kumimoji="1" lang="ja-JP" altLang="en-US" sz="1200" dirty="0"/>
-              <a:t>注文確定</a:t>
-            </a:r>
-          </a:p>
-        </p:txBody>
-      </p:sp>
-      <p:sp>
-        <p:nvSpPr>
-          <p:cNvPr id="88" name="テキスト ボックス 87">
-            <a:extLst>
-              <a:ext uri="{FF2B5EF4-FFF2-40B4-BE49-F238E27FC236}">
-                <a16:creationId xmlns:a16="http://schemas.microsoft.com/office/drawing/2014/main" id="{256D4009-4E81-14A8-8368-87C164339C5B}"/>
-              </a:ext>
-            </a:extLst>
-          </p:cNvPr>
-          <p:cNvSpPr txBox="1"/>
-          <p:nvPr/>
-        </p:nvSpPr>
-        <p:spPr>
-          <a:xfrm>
-            <a:off x="7676155" y="4513977"/>
-            <a:ext cx="1022679" cy="276999"/>
-          </a:xfrm>
-          <a:prstGeom prst="rect">
-            <a:avLst/>
-          </a:prstGeom>
-          <a:noFill/>
-        </p:spPr>
-        <p:txBody>
-          <a:bodyPr wrap="square" rtlCol="0">
-            <a:spAutoFit/>
-          </a:bodyPr>
-          <a:lstStyle/>
-          <a:p>
-            <a:r>
-              <a:rPr kumimoji="1" lang="ja-JP" altLang="en-US" sz="1200" dirty="0"/>
-              <a:t>注文</a:t>
-            </a:r>
-            <a:r>
-              <a:rPr lang="ja-JP" altLang="en-US" sz="1200" dirty="0"/>
-              <a:t>へ進む</a:t>
-            </a:r>
-            <a:endParaRPr kumimoji="1" lang="ja-JP" altLang="en-US" sz="1200" dirty="0"/>
-          </a:p>
-        </p:txBody>
-      </p:sp>
-      <p:sp>
-        <p:nvSpPr>
-          <p:cNvPr id="89" name="テキスト ボックス 88">
-            <a:extLst>
-              <a:ext uri="{FF2B5EF4-FFF2-40B4-BE49-F238E27FC236}">
-                <a16:creationId xmlns:a16="http://schemas.microsoft.com/office/drawing/2014/main" id="{D811893A-C395-81A8-88AF-14D9B2C812F9}"/>
-              </a:ext>
-            </a:extLst>
-          </p:cNvPr>
-          <p:cNvSpPr txBox="1"/>
-          <p:nvPr/>
-        </p:nvSpPr>
-        <p:spPr>
-          <a:xfrm>
-            <a:off x="3487155" y="5891865"/>
-            <a:ext cx="1167066" cy="276999"/>
-          </a:xfrm>
-          <a:prstGeom prst="rect">
-            <a:avLst/>
-          </a:prstGeom>
-          <a:noFill/>
-        </p:spPr>
-        <p:txBody>
-          <a:bodyPr wrap="square" rtlCol="0">
-            <a:spAutoFit/>
-          </a:bodyPr>
-          <a:lstStyle/>
-          <a:p>
-            <a:r>
-              <a:rPr kumimoji="1" lang="ja-JP" altLang="en-US" sz="1200" dirty="0"/>
-              <a:t>マイページへ</a:t>
-            </a:r>
-          </a:p>
-        </p:txBody>
-      </p:sp>
-      <p:sp>
-        <p:nvSpPr>
-          <p:cNvPr id="90" name="テキスト ボックス 89">
-            <a:extLst>
-              <a:ext uri="{FF2B5EF4-FFF2-40B4-BE49-F238E27FC236}">
-                <a16:creationId xmlns:a16="http://schemas.microsoft.com/office/drawing/2014/main" id="{AAADBF84-3E5C-F31C-C06C-C6889F4167C9}"/>
-              </a:ext>
-            </a:extLst>
-          </p:cNvPr>
-          <p:cNvSpPr txBox="1"/>
-          <p:nvPr/>
-        </p:nvSpPr>
-        <p:spPr>
-          <a:xfrm>
-            <a:off x="6653426" y="2225693"/>
-            <a:ext cx="874268" cy="276999"/>
-          </a:xfrm>
-          <a:prstGeom prst="rect">
-            <a:avLst/>
-          </a:prstGeom>
-          <a:noFill/>
-        </p:spPr>
-        <p:txBody>
-          <a:bodyPr wrap="square" rtlCol="0">
-            <a:spAutoFit/>
-          </a:bodyPr>
-          <a:lstStyle/>
-          <a:p>
-            <a:r>
-              <a:rPr lang="ja-JP" altLang="en-US" sz="1200" dirty="0"/>
-              <a:t>書籍選択</a:t>
-            </a:r>
-            <a:endParaRPr kumimoji="1" lang="ja-JP" altLang="en-US" sz="1200" dirty="0"/>
-          </a:p>
-        </p:txBody>
-      </p:sp>
-      <p:sp>
-        <p:nvSpPr>
-          <p:cNvPr id="91" name="テキスト ボックス 90">
-            <a:extLst>
-              <a:ext uri="{FF2B5EF4-FFF2-40B4-BE49-F238E27FC236}">
-                <a16:creationId xmlns:a16="http://schemas.microsoft.com/office/drawing/2014/main" id="{CF13C12C-0833-41A7-1833-A3D186C46F12}"/>
-              </a:ext>
-            </a:extLst>
-          </p:cNvPr>
-          <p:cNvSpPr txBox="1"/>
-          <p:nvPr/>
-        </p:nvSpPr>
-        <p:spPr>
-          <a:xfrm>
-            <a:off x="9508892" y="2283863"/>
-            <a:ext cx="874268" cy="276999"/>
-          </a:xfrm>
-          <a:prstGeom prst="rect">
-            <a:avLst/>
-          </a:prstGeom>
-          <a:noFill/>
-        </p:spPr>
-        <p:txBody>
-          <a:bodyPr wrap="square" rtlCol="0">
-            <a:spAutoFit/>
-          </a:bodyPr>
-          <a:lstStyle/>
-          <a:p>
-            <a:r>
-              <a:rPr lang="ja-JP" altLang="en-US" sz="1200" dirty="0"/>
-              <a:t>書籍選択</a:t>
-            </a:r>
-            <a:endParaRPr kumimoji="1" lang="ja-JP" altLang="en-US" sz="1200" dirty="0"/>
-          </a:p>
-        </p:txBody>
-      </p:sp>
-      <p:cxnSp>
-        <p:nvCxnSpPr>
-          <p:cNvPr id="92" name="コネクタ: カギ線 91">
-            <a:extLst>
-              <a:ext uri="{FF2B5EF4-FFF2-40B4-BE49-F238E27FC236}">
-                <a16:creationId xmlns:a16="http://schemas.microsoft.com/office/drawing/2014/main" id="{35DD7309-2332-7698-BEF3-54A380C8B193}"/>
-              </a:ext>
-            </a:extLst>
-          </p:cNvPr>
-          <p:cNvCxnSpPr>
-            <a:cxnSpLocks/>
-            <a:stCxn id="14" idx="2"/>
-            <a:endCxn id="15" idx="3"/>
-          </p:cNvCxnSpPr>
-          <p:nvPr/>
-        </p:nvCxnSpPr>
-        <p:spPr>
-          <a:xfrm rot="5400000">
-            <a:off x="7827547" y="1565109"/>
-            <a:ext cx="1600208" cy="1902991"/>
-          </a:xfrm>
-          <a:prstGeom prst="bentConnector2">
-            <a:avLst/>
-          </a:prstGeom>
-          <a:ln>
-            <a:tailEnd type="triangle"/>
-          </a:ln>
-        </p:spPr>
-        <p:style>
-          <a:lnRef idx="2">
-            <a:schemeClr val="accent1"/>
-          </a:lnRef>
-          <a:fillRef idx="0">
-            <a:schemeClr val="accent1"/>
-          </a:fillRef>
-          <a:effectRef idx="1">
-            <a:schemeClr val="accent1"/>
-          </a:effectRef>
-          <a:fontRef idx="minor">
-            <a:schemeClr val="tx1"/>
-          </a:fontRef>
-        </p:style>
-      </p:cxnSp>
+              <a:t>いいえ</a:t>
+            </a:r>
+          </a:p>
+        </p:txBody>
+      </p:sp>
     </p:spTree>
     <p:extLst>
       <p:ext uri="{BB962C8B-B14F-4D97-AF65-F5344CB8AC3E}">
-        <p14:creationId xmlns:p14="http://schemas.microsoft.com/office/powerpoint/2010/main" val="1003015468"/>
+        <p14:creationId xmlns:p14="http://schemas.microsoft.com/office/powerpoint/2010/main" val="216958901"/>
       </p:ext>
     </p:extLst>
   </p:cSld>
